--- a/발표 자료/6.3 Hidden Units.pptx
+++ b/발표 자료/6.3 Hidden Units.pptx
@@ -8,13 +8,18 @@
     <p:sldId id="256" r:id="rId2"/>
     <p:sldId id="323" r:id="rId3"/>
     <p:sldId id="327" r:id="rId4"/>
-    <p:sldId id="328" r:id="rId5"/>
-    <p:sldId id="329" r:id="rId6"/>
-    <p:sldId id="324" r:id="rId7"/>
-    <p:sldId id="258" r:id="rId8"/>
-    <p:sldId id="325" r:id="rId9"/>
-    <p:sldId id="326" r:id="rId10"/>
-    <p:sldId id="295" r:id="rId11"/>
+    <p:sldId id="330" r:id="rId5"/>
+    <p:sldId id="331" r:id="rId6"/>
+    <p:sldId id="332" r:id="rId7"/>
+    <p:sldId id="333" r:id="rId8"/>
+    <p:sldId id="334" r:id="rId9"/>
+    <p:sldId id="335" r:id="rId10"/>
+    <p:sldId id="328" r:id="rId11"/>
+    <p:sldId id="336" r:id="rId12"/>
+    <p:sldId id="337" r:id="rId13"/>
+    <p:sldId id="338" r:id="rId14"/>
+    <p:sldId id="339" r:id="rId15"/>
+    <p:sldId id="295" r:id="rId16"/>
   </p:sldIdLst>
   <p:sldSz cx="12192000" cy="6858000"/>
   <p:notesSz cx="6858000" cy="9144000"/>
@@ -6130,6 +6135,1337 @@
           <a:chExt cx="0" cy="0"/>
         </a:xfrm>
       </p:grpSpPr>
+      <p:sp>
+        <p:nvSpPr>
+          <p:cNvPr id="10" name="TextBox 9">
+            <a:extLst>
+              <a:ext uri="{FF2B5EF4-FFF2-40B4-BE49-F238E27FC236}">
+                <a16:creationId xmlns:a16="http://schemas.microsoft.com/office/drawing/2014/main" id="{7653C085-42B5-4047-8EAD-EF04F940EECA}"/>
+              </a:ext>
+            </a:extLst>
+          </p:cNvPr>
+          <p:cNvSpPr txBox="1"/>
+          <p:nvPr/>
+        </p:nvSpPr>
+        <p:spPr>
+          <a:xfrm>
+            <a:off x="2044104" y="673779"/>
+            <a:ext cx="8103788" cy="584775"/>
+          </a:xfrm>
+          <a:prstGeom prst="rect">
+            <a:avLst/>
+          </a:prstGeom>
+          <a:noFill/>
+        </p:spPr>
+        <p:txBody>
+          <a:bodyPr wrap="square" rtlCol="0">
+            <a:spAutoFit/>
+          </a:bodyPr>
+          <a:lstStyle/>
+          <a:p>
+            <a:r>
+              <a:rPr lang="en-US" altLang="ko-KR" sz="3200" b="1" i="0" dirty="0">
+                <a:solidFill>
+                  <a:srgbClr val="555555"/>
+                </a:solidFill>
+                <a:effectLst/>
+                <a:latin typeface="Lato"/>
+              </a:rPr>
+              <a:t>Logistic Sigmoid and Hyperbolic Tangent</a:t>
+            </a:r>
+            <a:endParaRPr lang="en-US" altLang="ko-KR" sz="3200" b="1" dirty="0"/>
+          </a:p>
+        </p:txBody>
+      </p:sp>
+      <p:pic>
+        <p:nvPicPr>
+          <p:cNvPr id="11" name="그림 10">
+            <a:extLst>
+              <a:ext uri="{FF2B5EF4-FFF2-40B4-BE49-F238E27FC236}">
+                <a16:creationId xmlns:a16="http://schemas.microsoft.com/office/drawing/2014/main" id="{DA9C5898-EC79-42D7-9C79-16EBCC813DE9}"/>
+              </a:ext>
+            </a:extLst>
+          </p:cNvPr>
+          <p:cNvPicPr>
+            <a:picLocks noChangeAspect="1"/>
+          </p:cNvPicPr>
+          <p:nvPr/>
+        </p:nvPicPr>
+        <p:blipFill>
+          <a:blip r:embed="rId2">
+            <a:extLst>
+              <a:ext uri="{28A0092B-C50C-407E-A947-70E740481C1C}">
+                <a14:useLocalDpi xmlns:a14="http://schemas.microsoft.com/office/drawing/2010/main" val="0"/>
+              </a:ext>
+            </a:extLst>
+          </a:blip>
+          <a:stretch>
+            <a:fillRect/>
+          </a:stretch>
+        </p:blipFill>
+        <p:spPr>
+          <a:xfrm>
+            <a:off x="5232263" y="2366219"/>
+            <a:ext cx="863735" cy="855200"/>
+          </a:xfrm>
+          <a:prstGeom prst="rect">
+            <a:avLst/>
+          </a:prstGeom>
+        </p:spPr>
+      </p:pic>
+      <p:sp>
+        <p:nvSpPr>
+          <p:cNvPr id="13" name="TextBox 12">
+            <a:extLst>
+              <a:ext uri="{FF2B5EF4-FFF2-40B4-BE49-F238E27FC236}">
+                <a16:creationId xmlns:a16="http://schemas.microsoft.com/office/drawing/2014/main" id="{181D537A-BB81-4F2C-A9C6-B6A53E465758}"/>
+              </a:ext>
+            </a:extLst>
+          </p:cNvPr>
+          <p:cNvSpPr txBox="1"/>
+          <p:nvPr/>
+        </p:nvSpPr>
+        <p:spPr>
+          <a:xfrm>
+            <a:off x="6855926" y="2255210"/>
+            <a:ext cx="4036143" cy="1077218"/>
+          </a:xfrm>
+          <a:prstGeom prst="rect">
+            <a:avLst/>
+          </a:prstGeom>
+          <a:noFill/>
+        </p:spPr>
+        <p:txBody>
+          <a:bodyPr wrap="square" rtlCol="0">
+            <a:spAutoFit/>
+          </a:bodyPr>
+          <a:lstStyle/>
+          <a:p>
+            <a:pPr algn="ctr"/>
+            <a:r>
+              <a:rPr lang="en-US" altLang="ko-KR" sz="3200" b="1" i="0" dirty="0">
+                <a:solidFill>
+                  <a:srgbClr val="555555"/>
+                </a:solidFill>
+                <a:effectLst/>
+                <a:latin typeface="Lato"/>
+              </a:rPr>
+              <a:t>Hyperbolic tangent activation function</a:t>
+            </a:r>
+            <a:endParaRPr lang="en-US" altLang="ko-KR" sz="3200" b="1" dirty="0"/>
+          </a:p>
+        </p:txBody>
+      </p:sp>
+      <p:sp>
+        <p:nvSpPr>
+          <p:cNvPr id="6" name="TextBox 5">
+            <a:extLst>
+              <a:ext uri="{FF2B5EF4-FFF2-40B4-BE49-F238E27FC236}">
+                <a16:creationId xmlns:a16="http://schemas.microsoft.com/office/drawing/2014/main" id="{9CDE21E0-6358-44B9-9FB5-2F4973ED26E1}"/>
+              </a:ext>
+            </a:extLst>
+          </p:cNvPr>
+          <p:cNvSpPr txBox="1"/>
+          <p:nvPr/>
+        </p:nvSpPr>
+        <p:spPr>
+          <a:xfrm>
+            <a:off x="883297" y="2255210"/>
+            <a:ext cx="4036143" cy="1077218"/>
+          </a:xfrm>
+          <a:prstGeom prst="rect">
+            <a:avLst/>
+          </a:prstGeom>
+          <a:noFill/>
+        </p:spPr>
+        <p:txBody>
+          <a:bodyPr wrap="square" rtlCol="0">
+            <a:spAutoFit/>
+          </a:bodyPr>
+          <a:lstStyle/>
+          <a:p>
+            <a:pPr algn="ctr"/>
+            <a:r>
+              <a:rPr lang="en-US" altLang="ko-KR" sz="3200" b="1" dirty="0">
+                <a:solidFill>
+                  <a:srgbClr val="555555"/>
+                </a:solidFill>
+                <a:latin typeface="Lato"/>
+              </a:rPr>
+              <a:t>Sigmoid activation function</a:t>
+            </a:r>
+            <a:endParaRPr lang="en-US" altLang="ko-KR" sz="3200" b="1" dirty="0"/>
+          </a:p>
+        </p:txBody>
+      </p:sp>
+      <p:pic>
+        <p:nvPicPr>
+          <p:cNvPr id="3" name="그림 2">
+            <a:extLst>
+              <a:ext uri="{FF2B5EF4-FFF2-40B4-BE49-F238E27FC236}">
+                <a16:creationId xmlns:a16="http://schemas.microsoft.com/office/drawing/2014/main" id="{A5057492-EA2C-4B2C-B3BB-70C49B5FC6B9}"/>
+              </a:ext>
+            </a:extLst>
+          </p:cNvPr>
+          <p:cNvPicPr>
+            <a:picLocks noChangeAspect="1"/>
+          </p:cNvPicPr>
+          <p:nvPr/>
+        </p:nvPicPr>
+        <p:blipFill>
+          <a:blip r:embed="rId3"/>
+          <a:stretch>
+            <a:fillRect/>
+          </a:stretch>
+        </p:blipFill>
+        <p:spPr>
+          <a:xfrm>
+            <a:off x="3805563" y="3799113"/>
+            <a:ext cx="3717134" cy="2210935"/>
+          </a:xfrm>
+          <a:prstGeom prst="rect">
+            <a:avLst/>
+          </a:prstGeom>
+          <a:solidFill>
+            <a:srgbClr val="FFFFFF">
+              <a:shade val="85000"/>
+            </a:srgbClr>
+          </a:solidFill>
+          <a:ln w="88900" cap="sq">
+            <a:solidFill>
+              <a:srgbClr val="FFFFFF"/>
+            </a:solidFill>
+            <a:miter lim="800000"/>
+          </a:ln>
+          <a:effectLst>
+            <a:outerShdw blurRad="55000" dist="18000" dir="5400000" algn="tl" rotWithShape="0">
+              <a:srgbClr val="000000">
+                <a:alpha val="40000"/>
+              </a:srgbClr>
+            </a:outerShdw>
+          </a:effectLst>
+          <a:scene3d>
+            <a:camera prst="orthographicFront"/>
+            <a:lightRig rig="twoPt" dir="t">
+              <a:rot lat="0" lon="0" rev="7200000"/>
+            </a:lightRig>
+          </a:scene3d>
+          <a:sp3d>
+            <a:bevelT w="25400" h="19050"/>
+            <a:contourClr>
+              <a:srgbClr val="FFFFFF"/>
+            </a:contourClr>
+          </a:sp3d>
+        </p:spPr>
+      </p:pic>
+    </p:spTree>
+    <p:extLst>
+      <p:ext uri="{BB962C8B-B14F-4D97-AF65-F5344CB8AC3E}">
+        <p14:creationId xmlns:p14="http://schemas.microsoft.com/office/powerpoint/2010/main" val="3165978907"/>
+      </p:ext>
+    </p:extLst>
+  </p:cSld>
+  <p:clrMapOvr>
+    <a:masterClrMapping/>
+  </p:clrMapOvr>
+</p:sld>
+</file>
+
+<file path=ppt/slides/slide11.xml><?xml version="1.0" encoding="utf-8"?>
+<p:sld xmlns:a="http://schemas.openxmlformats.org/drawingml/2006/main" xmlns:r="http://schemas.openxmlformats.org/officeDocument/2006/relationships" xmlns:p="http://schemas.openxmlformats.org/presentationml/2006/main">
+  <p:cSld>
+    <p:spTree>
+      <p:nvGrpSpPr>
+        <p:cNvPr id="1" name=""/>
+        <p:cNvGrpSpPr/>
+        <p:nvPr/>
+      </p:nvGrpSpPr>
+      <p:grpSpPr>
+        <a:xfrm>
+          <a:off x="0" y="0"/>
+          <a:ext cx="0" cy="0"/>
+          <a:chOff x="0" y="0"/>
+          <a:chExt cx="0" cy="0"/>
+        </a:xfrm>
+      </p:grpSpPr>
+      <p:sp>
+        <p:nvSpPr>
+          <p:cNvPr id="10" name="TextBox 9">
+            <a:extLst>
+              <a:ext uri="{FF2B5EF4-FFF2-40B4-BE49-F238E27FC236}">
+                <a16:creationId xmlns:a16="http://schemas.microsoft.com/office/drawing/2014/main" id="{7653C085-42B5-4047-8EAD-EF04F940EECA}"/>
+              </a:ext>
+            </a:extLst>
+          </p:cNvPr>
+          <p:cNvSpPr txBox="1"/>
+          <p:nvPr/>
+        </p:nvSpPr>
+        <p:spPr>
+          <a:xfrm>
+            <a:off x="2044104" y="673779"/>
+            <a:ext cx="8103788" cy="584775"/>
+          </a:xfrm>
+          <a:prstGeom prst="rect">
+            <a:avLst/>
+          </a:prstGeom>
+          <a:noFill/>
+        </p:spPr>
+        <p:txBody>
+          <a:bodyPr wrap="square" rtlCol="0">
+            <a:spAutoFit/>
+          </a:bodyPr>
+          <a:lstStyle/>
+          <a:p>
+            <a:r>
+              <a:rPr lang="en-US" altLang="ko-KR" sz="3200" b="1" i="0" dirty="0">
+                <a:solidFill>
+                  <a:srgbClr val="555555"/>
+                </a:solidFill>
+                <a:effectLst/>
+                <a:latin typeface="Lato"/>
+              </a:rPr>
+              <a:t>Logistic Sigmoid and Hyperbolic Tangent</a:t>
+            </a:r>
+            <a:endParaRPr lang="en-US" altLang="ko-KR" sz="3200" b="1" dirty="0"/>
+          </a:p>
+        </p:txBody>
+      </p:sp>
+      <p:pic>
+        <p:nvPicPr>
+          <p:cNvPr id="7170" name="Picture 2" descr="tanh">
+            <a:extLst>
+              <a:ext uri="{FF2B5EF4-FFF2-40B4-BE49-F238E27FC236}">
+                <a16:creationId xmlns:a16="http://schemas.microsoft.com/office/drawing/2014/main" id="{9E294719-181A-4093-9E61-5E2733BB9CEE}"/>
+              </a:ext>
+            </a:extLst>
+          </p:cNvPr>
+          <p:cNvPicPr>
+            <a:picLocks noChangeAspect="1" noChangeArrowheads="1"/>
+          </p:cNvPicPr>
+          <p:nvPr/>
+        </p:nvPicPr>
+        <p:blipFill>
+          <a:blip r:embed="rId2">
+            <a:extLst>
+              <a:ext uri="{28A0092B-C50C-407E-A947-70E740481C1C}">
+                <a14:useLocalDpi xmlns:a14="http://schemas.microsoft.com/office/drawing/2010/main" val="0"/>
+              </a:ext>
+            </a:extLst>
+          </a:blip>
+          <a:srcRect/>
+          <a:stretch>
+            <a:fillRect/>
+          </a:stretch>
+        </p:blipFill>
+        <p:spPr bwMode="auto">
+          <a:xfrm>
+            <a:off x="1257300" y="2203903"/>
+            <a:ext cx="3857751" cy="2450193"/>
+          </a:xfrm>
+          <a:prstGeom prst="rect">
+            <a:avLst/>
+          </a:prstGeom>
+          <a:noFill/>
+          <a:extLst>
+            <a:ext uri="{909E8E84-426E-40DD-AFC4-6F175D3DCCD1}">
+              <a14:hiddenFill xmlns:a14="http://schemas.microsoft.com/office/drawing/2010/main">
+                <a:solidFill>
+                  <a:srgbClr val="FFFFFF"/>
+                </a:solidFill>
+              </a14:hiddenFill>
+            </a:ext>
+          </a:extLst>
+        </p:spPr>
+      </p:pic>
+      <p:pic>
+        <p:nvPicPr>
+          <p:cNvPr id="7172" name="Picture 4" descr="tanh derivative">
+            <a:extLst>
+              <a:ext uri="{FF2B5EF4-FFF2-40B4-BE49-F238E27FC236}">
+                <a16:creationId xmlns:a16="http://schemas.microsoft.com/office/drawing/2014/main" id="{1F034BAE-6653-4ACB-9844-1FD9A068FCC3}"/>
+              </a:ext>
+            </a:extLst>
+          </p:cNvPr>
+          <p:cNvPicPr>
+            <a:picLocks noChangeAspect="1" noChangeArrowheads="1"/>
+          </p:cNvPicPr>
+          <p:nvPr/>
+        </p:nvPicPr>
+        <p:blipFill>
+          <a:blip r:embed="rId3">
+            <a:extLst>
+              <a:ext uri="{28A0092B-C50C-407E-A947-70E740481C1C}">
+                <a14:useLocalDpi xmlns:a14="http://schemas.microsoft.com/office/drawing/2010/main" val="0"/>
+              </a:ext>
+            </a:extLst>
+          </a:blip>
+          <a:srcRect/>
+          <a:stretch>
+            <a:fillRect/>
+          </a:stretch>
+        </p:blipFill>
+        <p:spPr bwMode="auto">
+          <a:xfrm>
+            <a:off x="6095998" y="2203902"/>
+            <a:ext cx="3857751" cy="2450193"/>
+          </a:xfrm>
+          <a:prstGeom prst="rect">
+            <a:avLst/>
+          </a:prstGeom>
+          <a:noFill/>
+          <a:extLst>
+            <a:ext uri="{909E8E84-426E-40DD-AFC4-6F175D3DCCD1}">
+              <a14:hiddenFill xmlns:a14="http://schemas.microsoft.com/office/drawing/2010/main">
+                <a:solidFill>
+                  <a:srgbClr val="FFFFFF"/>
+                </a:solidFill>
+              </a14:hiddenFill>
+            </a:ext>
+          </a:extLst>
+        </p:spPr>
+      </p:pic>
+      <p:sp>
+        <p:nvSpPr>
+          <p:cNvPr id="9" name="TextBox 8">
+            <a:extLst>
+              <a:ext uri="{FF2B5EF4-FFF2-40B4-BE49-F238E27FC236}">
+                <a16:creationId xmlns:a16="http://schemas.microsoft.com/office/drawing/2014/main" id="{BF84A3B9-7FA6-4315-9F72-98B30125C756}"/>
+              </a:ext>
+            </a:extLst>
+          </p:cNvPr>
+          <p:cNvSpPr txBox="1"/>
+          <p:nvPr/>
+        </p:nvSpPr>
+        <p:spPr>
+          <a:xfrm>
+            <a:off x="1068568" y="5232202"/>
+            <a:ext cx="10554289" cy="1200329"/>
+          </a:xfrm>
+          <a:prstGeom prst="rect">
+            <a:avLst/>
+          </a:prstGeom>
+          <a:noFill/>
+        </p:spPr>
+        <p:txBody>
+          <a:bodyPr wrap="square" rtlCol="0">
+            <a:spAutoFit/>
+          </a:bodyPr>
+          <a:lstStyle/>
+          <a:p>
+            <a:pPr marL="342900" indent="-342900">
+              <a:buFontTx/>
+              <a:buChar char="-"/>
+            </a:pPr>
+            <a:r>
+              <a:rPr lang="ko-KR" altLang="en-US" sz="2400" b="0" i="0" dirty="0">
+                <a:solidFill>
+                  <a:srgbClr val="24292E"/>
+                </a:solidFill>
+                <a:effectLst/>
+                <a:latin typeface="-apple-system"/>
+              </a:rPr>
+              <a:t>이 함수들은 </a:t>
+            </a:r>
+            <a:r>
+              <a:rPr lang="en-US" altLang="ko-KR" sz="2400" b="0" i="0" dirty="0">
+                <a:solidFill>
+                  <a:srgbClr val="24292E"/>
+                </a:solidFill>
+                <a:effectLst/>
+                <a:latin typeface="-apple-system"/>
+              </a:rPr>
+              <a:t>saturation </a:t>
+            </a:r>
+            <a:r>
+              <a:rPr lang="ko-KR" altLang="en-US" sz="2400" b="0" i="0" dirty="0">
+                <a:solidFill>
+                  <a:srgbClr val="24292E"/>
+                </a:solidFill>
+                <a:effectLst/>
+                <a:latin typeface="-apple-system"/>
+              </a:rPr>
+              <a:t>때문에 </a:t>
+            </a:r>
+            <a:r>
+              <a:rPr lang="en-US" altLang="ko-KR" sz="2400" b="0" i="0" dirty="0">
+                <a:solidFill>
+                  <a:srgbClr val="24292E"/>
+                </a:solidFill>
+                <a:effectLst/>
+                <a:latin typeface="-apple-system"/>
+              </a:rPr>
+              <a:t>hidden unit </a:t>
+            </a:r>
+            <a:r>
+              <a:rPr lang="ko-KR" altLang="en-US" sz="2400" b="0" i="0" dirty="0">
+                <a:solidFill>
+                  <a:srgbClr val="24292E"/>
+                </a:solidFill>
+                <a:effectLst/>
+                <a:latin typeface="-apple-system"/>
+              </a:rPr>
+              <a:t>으로는 잘 사용되지 않는다</a:t>
+            </a:r>
+            <a:r>
+              <a:rPr lang="en-US" altLang="ko-KR" sz="2400" b="0" i="0" dirty="0">
+                <a:solidFill>
+                  <a:srgbClr val="24292E"/>
+                </a:solidFill>
+                <a:effectLst/>
+                <a:latin typeface="-apple-system"/>
+              </a:rPr>
+              <a:t>. </a:t>
+            </a:r>
+            <a:r>
+              <a:rPr lang="ko-KR" altLang="en-US" sz="2400" b="0" i="0" dirty="0">
+                <a:solidFill>
+                  <a:srgbClr val="24292E"/>
+                </a:solidFill>
+                <a:effectLst/>
+                <a:latin typeface="-apple-system"/>
+              </a:rPr>
+              <a:t>다만 </a:t>
+            </a:r>
+            <a:r>
+              <a:rPr lang="en-US" altLang="ko-KR" sz="2400" b="0" i="0" dirty="0">
+                <a:solidFill>
+                  <a:srgbClr val="24292E"/>
+                </a:solidFill>
+                <a:effectLst/>
+                <a:latin typeface="-apple-system"/>
+              </a:rPr>
+              <a:t>saturation</a:t>
+            </a:r>
+            <a:r>
+              <a:rPr lang="ko-KR" altLang="en-US" sz="2400" b="0" i="0" dirty="0">
+                <a:solidFill>
+                  <a:srgbClr val="24292E"/>
+                </a:solidFill>
+                <a:effectLst/>
+                <a:latin typeface="-apple-system"/>
+              </a:rPr>
+              <a:t>을 상쇄해줄 </a:t>
+            </a:r>
+            <a:r>
+              <a:rPr lang="en-US" altLang="ko-KR" sz="2400" b="0" i="0" dirty="0">
+                <a:solidFill>
+                  <a:srgbClr val="24292E"/>
+                </a:solidFill>
+                <a:effectLst/>
+                <a:latin typeface="-apple-system"/>
+              </a:rPr>
+              <a:t>cost function </a:t>
+            </a:r>
+            <a:r>
+              <a:rPr lang="ko-KR" altLang="en-US" sz="2400" b="0" i="0" dirty="0">
+                <a:solidFill>
+                  <a:srgbClr val="24292E"/>
+                </a:solidFill>
+                <a:effectLst/>
+                <a:latin typeface="-apple-system"/>
+              </a:rPr>
+              <a:t>을 사용할 때 </a:t>
+            </a:r>
+            <a:r>
+              <a:rPr lang="en-US" altLang="ko-KR" sz="2400" b="0" i="0" dirty="0">
+                <a:solidFill>
+                  <a:srgbClr val="24292E"/>
+                </a:solidFill>
+                <a:effectLst/>
+                <a:latin typeface="-apple-system"/>
+              </a:rPr>
+              <a:t>output</a:t>
+            </a:r>
+            <a:r>
+              <a:rPr lang="ko-KR" altLang="en-US" sz="2400" b="0" i="0" dirty="0">
+                <a:solidFill>
+                  <a:srgbClr val="24292E"/>
+                </a:solidFill>
+                <a:effectLst/>
+                <a:latin typeface="-apple-system"/>
+              </a:rPr>
+              <a:t>의 함수로 종종 사용된다</a:t>
+            </a:r>
+            <a:r>
+              <a:rPr lang="en-US" altLang="ko-KR" sz="2400" b="0" i="0" dirty="0">
+                <a:solidFill>
+                  <a:srgbClr val="24292E"/>
+                </a:solidFill>
+                <a:effectLst/>
+                <a:latin typeface="-apple-system"/>
+              </a:rPr>
+              <a:t>.</a:t>
+            </a:r>
+            <a:endParaRPr lang="en-US" altLang="ko-KR" dirty="0"/>
+          </a:p>
+        </p:txBody>
+      </p:sp>
+    </p:spTree>
+    <p:extLst>
+      <p:ext uri="{BB962C8B-B14F-4D97-AF65-F5344CB8AC3E}">
+        <p14:creationId xmlns:p14="http://schemas.microsoft.com/office/powerpoint/2010/main" val="1523563222"/>
+      </p:ext>
+    </p:extLst>
+  </p:cSld>
+  <p:clrMapOvr>
+    <a:masterClrMapping/>
+  </p:clrMapOvr>
+</p:sld>
+</file>
+
+<file path=ppt/slides/slide12.xml><?xml version="1.0" encoding="utf-8"?>
+<p:sld xmlns:a="http://schemas.openxmlformats.org/drawingml/2006/main" xmlns:r="http://schemas.openxmlformats.org/officeDocument/2006/relationships" xmlns:p="http://schemas.openxmlformats.org/presentationml/2006/main">
+  <p:cSld>
+    <p:spTree>
+      <p:nvGrpSpPr>
+        <p:cNvPr id="1" name=""/>
+        <p:cNvGrpSpPr/>
+        <p:nvPr/>
+      </p:nvGrpSpPr>
+      <p:grpSpPr>
+        <a:xfrm>
+          <a:off x="0" y="0"/>
+          <a:ext cx="0" cy="0"/>
+          <a:chOff x="0" y="0"/>
+          <a:chExt cx="0" cy="0"/>
+        </a:xfrm>
+      </p:grpSpPr>
+      <p:sp>
+        <p:nvSpPr>
+          <p:cNvPr id="10" name="TextBox 9">
+            <a:extLst>
+              <a:ext uri="{FF2B5EF4-FFF2-40B4-BE49-F238E27FC236}">
+                <a16:creationId xmlns:a16="http://schemas.microsoft.com/office/drawing/2014/main" id="{7653C085-42B5-4047-8EAD-EF04F940EECA}"/>
+              </a:ext>
+            </a:extLst>
+          </p:cNvPr>
+          <p:cNvSpPr txBox="1"/>
+          <p:nvPr/>
+        </p:nvSpPr>
+        <p:spPr>
+          <a:xfrm>
+            <a:off x="3186175" y="644751"/>
+            <a:ext cx="5271096" cy="584775"/>
+          </a:xfrm>
+          <a:prstGeom prst="rect">
+            <a:avLst/>
+          </a:prstGeom>
+          <a:noFill/>
+        </p:spPr>
+        <p:txBody>
+          <a:bodyPr wrap="square" rtlCol="0">
+            <a:spAutoFit/>
+          </a:bodyPr>
+          <a:lstStyle/>
+          <a:p>
+            <a:r>
+              <a:rPr lang="en-US" altLang="ko-KR" sz="3200" b="1" i="0" dirty="0">
+                <a:solidFill>
+                  <a:srgbClr val="555555"/>
+                </a:solidFill>
+                <a:effectLst/>
+                <a:latin typeface="Lato"/>
+              </a:rPr>
+              <a:t>Radial basis function(RBF)</a:t>
+            </a:r>
+            <a:endParaRPr lang="en-US" altLang="ko-KR" sz="3200" b="1" dirty="0"/>
+          </a:p>
+        </p:txBody>
+      </p:sp>
+      <p:sp>
+        <p:nvSpPr>
+          <p:cNvPr id="9" name="TextBox 8">
+            <a:extLst>
+              <a:ext uri="{FF2B5EF4-FFF2-40B4-BE49-F238E27FC236}">
+                <a16:creationId xmlns:a16="http://schemas.microsoft.com/office/drawing/2014/main" id="{BF84A3B9-7FA6-4315-9F72-98B30125C756}"/>
+              </a:ext>
+            </a:extLst>
+          </p:cNvPr>
+          <p:cNvSpPr txBox="1"/>
+          <p:nvPr/>
+        </p:nvSpPr>
+        <p:spPr>
+          <a:xfrm>
+            <a:off x="978513" y="5382252"/>
+            <a:ext cx="10554289" cy="830997"/>
+          </a:xfrm>
+          <a:prstGeom prst="rect">
+            <a:avLst/>
+          </a:prstGeom>
+          <a:noFill/>
+        </p:spPr>
+        <p:txBody>
+          <a:bodyPr wrap="square" rtlCol="0">
+            <a:spAutoFit/>
+          </a:bodyPr>
+          <a:lstStyle/>
+          <a:p>
+            <a:pPr marL="342900" indent="-342900">
+              <a:buFontTx/>
+              <a:buChar char="-"/>
+            </a:pPr>
+            <a:r>
+              <a:rPr lang="en-US" altLang="ko-KR" sz="2400" dirty="0">
+                <a:latin typeface="Verdana" panose="020B0604030504040204" pitchFamily="34" charset="0"/>
+              </a:rPr>
+              <a:t>‘</a:t>
+            </a:r>
+            <a:r>
+              <a:rPr lang="ko-KR" altLang="en-US" sz="2400" b="0" i="0" dirty="0">
+                <a:effectLst/>
+                <a:latin typeface="Verdana" panose="020B0604030504040204" pitchFamily="34" charset="0"/>
+              </a:rPr>
+              <a:t>거리</a:t>
+            </a:r>
+            <a:r>
+              <a:rPr lang="en-US" altLang="ko-KR" sz="2400" dirty="0">
+                <a:latin typeface="Verdana" panose="020B0604030504040204" pitchFamily="34" charset="0"/>
+              </a:rPr>
+              <a:t>’</a:t>
+            </a:r>
+            <a:r>
+              <a:rPr lang="ko-KR" altLang="en-US" sz="2400" b="0" i="0" dirty="0">
+                <a:effectLst/>
+                <a:latin typeface="Verdana" panose="020B0604030504040204" pitchFamily="34" charset="0"/>
+              </a:rPr>
+              <a:t>라는 특별한 방법으로 영향을 </a:t>
+            </a:r>
+            <a:r>
+              <a:rPr lang="ko-KR" altLang="en-US" sz="2400" dirty="0">
+                <a:latin typeface="Verdana" panose="020B0604030504040204" pitchFamily="34" charset="0"/>
+              </a:rPr>
+              <a:t>받는다</a:t>
+            </a:r>
+            <a:r>
+              <a:rPr lang="en-US" altLang="ko-KR" sz="2400" dirty="0">
+                <a:latin typeface="Verdana" panose="020B0604030504040204" pitchFamily="34" charset="0"/>
+              </a:rPr>
+              <a:t>.</a:t>
+            </a:r>
+            <a:endParaRPr lang="en-US" altLang="ko-KR" sz="2400" dirty="0">
+              <a:latin typeface="Lato"/>
+            </a:endParaRPr>
+          </a:p>
+          <a:p>
+            <a:pPr marL="342900" indent="-342900">
+              <a:buFontTx/>
+              <a:buChar char="-"/>
+            </a:pPr>
+            <a:r>
+              <a:rPr lang="ko-KR" altLang="en-US" sz="2400" dirty="0">
+                <a:latin typeface="Lato"/>
+              </a:rPr>
+              <a:t>대부분의 </a:t>
+            </a:r>
+            <a:r>
+              <a:rPr lang="en-US" altLang="ko-KR" sz="2400" dirty="0" err="1">
+                <a:latin typeface="Lato"/>
+              </a:rPr>
+              <a:t>xn</a:t>
+            </a:r>
+            <a:r>
+              <a:rPr lang="ko-KR" altLang="en-US" sz="2400" dirty="0">
+                <a:latin typeface="Lato"/>
+              </a:rPr>
+              <a:t>에 대해 </a:t>
+            </a:r>
+            <a:r>
+              <a:rPr lang="en-US" altLang="ko-KR" sz="2400" dirty="0">
+                <a:latin typeface="Lato"/>
+              </a:rPr>
+              <a:t>0</a:t>
+            </a:r>
+            <a:r>
+              <a:rPr lang="ko-KR" altLang="en-US" sz="2400" dirty="0">
+                <a:latin typeface="Lato"/>
+              </a:rPr>
+              <a:t>으로 </a:t>
+            </a:r>
+            <a:r>
+              <a:rPr lang="en-US" altLang="ko-KR" sz="2400" dirty="0">
+                <a:latin typeface="Lato"/>
+              </a:rPr>
+              <a:t>saturation</a:t>
+            </a:r>
+            <a:r>
+              <a:rPr lang="ko-KR" altLang="en-US" sz="2400" dirty="0">
+                <a:latin typeface="Lato"/>
+              </a:rPr>
+              <a:t>되기 때문에 최적화 하기 어렵다</a:t>
+            </a:r>
+            <a:r>
+              <a:rPr lang="en-US" altLang="ko-KR" sz="2400" dirty="0">
+                <a:solidFill>
+                  <a:srgbClr val="555555"/>
+                </a:solidFill>
+                <a:latin typeface="Lato"/>
+              </a:rPr>
+              <a:t>.</a:t>
+            </a:r>
+            <a:endParaRPr lang="en-US" altLang="ko-KR" dirty="0"/>
+          </a:p>
+        </p:txBody>
+      </p:sp>
+      <p:pic>
+        <p:nvPicPr>
+          <p:cNvPr id="9218" name="Picture 2" descr="RBF">
+            <a:extLst>
+              <a:ext uri="{FF2B5EF4-FFF2-40B4-BE49-F238E27FC236}">
+                <a16:creationId xmlns:a16="http://schemas.microsoft.com/office/drawing/2014/main" id="{7004BE14-8FDE-41F1-9976-756D76E48AD1}"/>
+              </a:ext>
+            </a:extLst>
+          </p:cNvPr>
+          <p:cNvPicPr>
+            <a:picLocks noChangeAspect="1" noChangeArrowheads="1"/>
+          </p:cNvPicPr>
+          <p:nvPr/>
+        </p:nvPicPr>
+        <p:blipFill>
+          <a:blip r:embed="rId2">
+            <a:extLst>
+              <a:ext uri="{28A0092B-C50C-407E-A947-70E740481C1C}">
+                <a14:useLocalDpi xmlns:a14="http://schemas.microsoft.com/office/drawing/2010/main" val="0"/>
+              </a:ext>
+            </a:extLst>
+          </a:blip>
+          <a:srcRect/>
+          <a:stretch>
+            <a:fillRect/>
+          </a:stretch>
+        </p:blipFill>
+        <p:spPr bwMode="auto">
+          <a:xfrm>
+            <a:off x="2683811" y="1527628"/>
+            <a:ext cx="6134706" cy="3450772"/>
+          </a:xfrm>
+          <a:prstGeom prst="rect">
+            <a:avLst/>
+          </a:prstGeom>
+          <a:noFill/>
+          <a:extLst>
+            <a:ext uri="{909E8E84-426E-40DD-AFC4-6F175D3DCCD1}">
+              <a14:hiddenFill xmlns:a14="http://schemas.microsoft.com/office/drawing/2010/main">
+                <a:solidFill>
+                  <a:srgbClr val="FFFFFF"/>
+                </a:solidFill>
+              </a14:hiddenFill>
+            </a:ext>
+          </a:extLst>
+        </p:spPr>
+      </p:pic>
+    </p:spTree>
+    <p:extLst>
+      <p:ext uri="{BB962C8B-B14F-4D97-AF65-F5344CB8AC3E}">
+        <p14:creationId xmlns:p14="http://schemas.microsoft.com/office/powerpoint/2010/main" val="1126087844"/>
+      </p:ext>
+    </p:extLst>
+  </p:cSld>
+  <p:clrMapOvr>
+    <a:masterClrMapping/>
+  </p:clrMapOvr>
+</p:sld>
+</file>
+
+<file path=ppt/slides/slide13.xml><?xml version="1.0" encoding="utf-8"?>
+<p:sld xmlns:a="http://schemas.openxmlformats.org/drawingml/2006/main" xmlns:r="http://schemas.openxmlformats.org/officeDocument/2006/relationships" xmlns:p="http://schemas.openxmlformats.org/presentationml/2006/main">
+  <p:cSld>
+    <p:spTree>
+      <p:nvGrpSpPr>
+        <p:cNvPr id="1" name=""/>
+        <p:cNvGrpSpPr/>
+        <p:nvPr/>
+      </p:nvGrpSpPr>
+      <p:grpSpPr>
+        <a:xfrm>
+          <a:off x="0" y="0"/>
+          <a:ext cx="0" cy="0"/>
+          <a:chOff x="0" y="0"/>
+          <a:chExt cx="0" cy="0"/>
+        </a:xfrm>
+      </p:grpSpPr>
+      <p:sp>
+        <p:nvSpPr>
+          <p:cNvPr id="10" name="TextBox 9">
+            <a:extLst>
+              <a:ext uri="{FF2B5EF4-FFF2-40B4-BE49-F238E27FC236}">
+                <a16:creationId xmlns:a16="http://schemas.microsoft.com/office/drawing/2014/main" id="{7653C085-42B5-4047-8EAD-EF04F940EECA}"/>
+              </a:ext>
+            </a:extLst>
+          </p:cNvPr>
+          <p:cNvSpPr txBox="1"/>
+          <p:nvPr/>
+        </p:nvSpPr>
+        <p:spPr>
+          <a:xfrm>
+            <a:off x="4847794" y="644751"/>
+            <a:ext cx="1806739" cy="584775"/>
+          </a:xfrm>
+          <a:prstGeom prst="rect">
+            <a:avLst/>
+          </a:prstGeom>
+          <a:noFill/>
+        </p:spPr>
+        <p:txBody>
+          <a:bodyPr wrap="square" rtlCol="0">
+            <a:spAutoFit/>
+          </a:bodyPr>
+          <a:lstStyle/>
+          <a:p>
+            <a:r>
+              <a:rPr lang="en-US" altLang="ko-KR" sz="3200" b="1" i="0" dirty="0" err="1">
+                <a:solidFill>
+                  <a:srgbClr val="555555"/>
+                </a:solidFill>
+                <a:effectLst/>
+                <a:latin typeface="Lato"/>
+              </a:rPr>
+              <a:t>Softplus</a:t>
+            </a:r>
+            <a:endParaRPr lang="en-US" altLang="ko-KR" sz="3200" b="1" dirty="0"/>
+          </a:p>
+        </p:txBody>
+      </p:sp>
+      <p:sp>
+        <p:nvSpPr>
+          <p:cNvPr id="9" name="TextBox 8">
+            <a:extLst>
+              <a:ext uri="{FF2B5EF4-FFF2-40B4-BE49-F238E27FC236}">
+                <a16:creationId xmlns:a16="http://schemas.microsoft.com/office/drawing/2014/main" id="{BF84A3B9-7FA6-4315-9F72-98B30125C756}"/>
+              </a:ext>
+            </a:extLst>
+          </p:cNvPr>
+          <p:cNvSpPr txBox="1"/>
+          <p:nvPr/>
+        </p:nvSpPr>
+        <p:spPr>
+          <a:xfrm>
+            <a:off x="963998" y="5276502"/>
+            <a:ext cx="10554289" cy="1200329"/>
+          </a:xfrm>
+          <a:prstGeom prst="rect">
+            <a:avLst/>
+          </a:prstGeom>
+          <a:noFill/>
+        </p:spPr>
+        <p:txBody>
+          <a:bodyPr wrap="square" rtlCol="0">
+            <a:spAutoFit/>
+          </a:bodyPr>
+          <a:lstStyle/>
+          <a:p>
+            <a:pPr marL="342900" indent="-342900">
+              <a:buFontTx/>
+              <a:buChar char="-"/>
+            </a:pPr>
+            <a:r>
+              <a:rPr lang="en-US" altLang="ko-KR" sz="2400" b="0" i="0" dirty="0" err="1">
+                <a:solidFill>
+                  <a:srgbClr val="24292E"/>
+                </a:solidFill>
+                <a:effectLst/>
+                <a:latin typeface="-apple-system"/>
+              </a:rPr>
+              <a:t>ReLU</a:t>
+            </a:r>
+            <a:r>
+              <a:rPr lang="en-US" altLang="ko-KR" sz="2400" b="0" i="0" dirty="0">
+                <a:solidFill>
+                  <a:srgbClr val="24292E"/>
+                </a:solidFill>
+                <a:effectLst/>
+                <a:latin typeface="-apple-system"/>
+              </a:rPr>
+              <a:t> </a:t>
+            </a:r>
+            <a:r>
+              <a:rPr lang="ko-KR" altLang="en-US" sz="2400" b="0" i="0" dirty="0">
+                <a:solidFill>
+                  <a:srgbClr val="24292E"/>
+                </a:solidFill>
+                <a:effectLst/>
+                <a:latin typeface="-apple-system"/>
+              </a:rPr>
+              <a:t>함수를 부드럽게 </a:t>
+            </a:r>
+            <a:r>
+              <a:rPr lang="ko-KR" altLang="en-US" sz="2400" b="0" i="0" dirty="0" err="1">
+                <a:solidFill>
+                  <a:srgbClr val="24292E"/>
+                </a:solidFill>
+                <a:effectLst/>
+                <a:latin typeface="-apple-system"/>
+              </a:rPr>
+              <a:t>깎아놓은</a:t>
+            </a:r>
+            <a:r>
+              <a:rPr lang="ko-KR" altLang="en-US" sz="2400" b="0" i="0" dirty="0">
+                <a:solidFill>
+                  <a:srgbClr val="24292E"/>
+                </a:solidFill>
+                <a:effectLst/>
+                <a:latin typeface="-apple-system"/>
+              </a:rPr>
+              <a:t> 형태를 취한다</a:t>
+            </a:r>
+            <a:r>
+              <a:rPr lang="en-US" altLang="ko-KR" sz="2400" b="0" i="0" dirty="0">
+                <a:solidFill>
+                  <a:srgbClr val="24292E"/>
+                </a:solidFill>
+                <a:effectLst/>
+                <a:latin typeface="-apple-system"/>
+              </a:rPr>
+              <a:t>. </a:t>
+            </a:r>
+            <a:r>
+              <a:rPr lang="ko-KR" altLang="en-US" sz="2400" b="0" i="0" dirty="0">
+                <a:solidFill>
+                  <a:srgbClr val="24292E"/>
+                </a:solidFill>
+                <a:effectLst/>
+                <a:latin typeface="-apple-system"/>
+              </a:rPr>
+              <a:t>모든 구간에서 </a:t>
+            </a:r>
+            <a:r>
+              <a:rPr lang="ko-KR" altLang="en-US" sz="2400" b="0" i="0" dirty="0" err="1">
+                <a:solidFill>
+                  <a:srgbClr val="24292E"/>
+                </a:solidFill>
+                <a:effectLst/>
+                <a:latin typeface="-apple-system"/>
+              </a:rPr>
+              <a:t>미분가능하고</a:t>
+            </a:r>
+            <a:r>
+              <a:rPr lang="ko-KR" altLang="en-US" sz="2400" b="0" i="0" dirty="0">
+                <a:solidFill>
+                  <a:srgbClr val="24292E"/>
+                </a:solidFill>
+                <a:effectLst/>
+                <a:latin typeface="-apple-system"/>
+              </a:rPr>
+              <a:t> 덜 </a:t>
+            </a:r>
+            <a:r>
+              <a:rPr lang="en-US" altLang="ko-KR" sz="2400" b="0" i="0" dirty="0">
+                <a:solidFill>
+                  <a:srgbClr val="24292E"/>
+                </a:solidFill>
+                <a:effectLst/>
+                <a:latin typeface="-apple-system"/>
+              </a:rPr>
+              <a:t>saturation</a:t>
+            </a:r>
+            <a:r>
+              <a:rPr lang="ko-KR" altLang="en-US" sz="2400" b="0" i="0" dirty="0">
+                <a:solidFill>
+                  <a:srgbClr val="24292E"/>
+                </a:solidFill>
+                <a:effectLst/>
+                <a:latin typeface="-apple-system"/>
+              </a:rPr>
+              <a:t>되기 때문에 성능이 잘 나올 것 같지만 실험적으로는 잘 안된다</a:t>
+            </a:r>
+            <a:r>
+              <a:rPr lang="en-US" altLang="ko-KR" sz="2400" b="0" i="0" dirty="0">
+                <a:solidFill>
+                  <a:srgbClr val="24292E"/>
+                </a:solidFill>
+                <a:effectLst/>
+                <a:latin typeface="-apple-system"/>
+              </a:rPr>
+              <a:t>.</a:t>
+            </a:r>
+            <a:endParaRPr lang="en-US" altLang="ko-KR" dirty="0"/>
+          </a:p>
+        </p:txBody>
+      </p:sp>
+      <p:pic>
+        <p:nvPicPr>
+          <p:cNvPr id="10242" name="Picture 2" descr="Softplus">
+            <a:extLst>
+              <a:ext uri="{FF2B5EF4-FFF2-40B4-BE49-F238E27FC236}">
+                <a16:creationId xmlns:a16="http://schemas.microsoft.com/office/drawing/2014/main" id="{2D9B978D-07AB-4865-AE69-B715547FE7F0}"/>
+              </a:ext>
+            </a:extLst>
+          </p:cNvPr>
+          <p:cNvPicPr>
+            <a:picLocks noChangeAspect="1" noChangeArrowheads="1"/>
+          </p:cNvPicPr>
+          <p:nvPr/>
+        </p:nvPicPr>
+        <p:blipFill>
+          <a:blip r:embed="rId2">
+            <a:extLst>
+              <a:ext uri="{28A0092B-C50C-407E-A947-70E740481C1C}">
+                <a14:useLocalDpi xmlns:a14="http://schemas.microsoft.com/office/drawing/2010/main" val="0"/>
+              </a:ext>
+            </a:extLst>
+          </a:blip>
+          <a:srcRect/>
+          <a:stretch>
+            <a:fillRect/>
+          </a:stretch>
+        </p:blipFill>
+        <p:spPr bwMode="auto">
+          <a:xfrm>
+            <a:off x="2683810" y="1534762"/>
+            <a:ext cx="6134706" cy="3436503"/>
+          </a:xfrm>
+          <a:prstGeom prst="rect">
+            <a:avLst/>
+          </a:prstGeom>
+          <a:noFill/>
+          <a:extLst>
+            <a:ext uri="{909E8E84-426E-40DD-AFC4-6F175D3DCCD1}">
+              <a14:hiddenFill xmlns:a14="http://schemas.microsoft.com/office/drawing/2010/main">
+                <a:solidFill>
+                  <a:srgbClr val="FFFFFF"/>
+                </a:solidFill>
+              </a14:hiddenFill>
+            </a:ext>
+          </a:extLst>
+        </p:spPr>
+      </p:pic>
+    </p:spTree>
+    <p:extLst>
+      <p:ext uri="{BB962C8B-B14F-4D97-AF65-F5344CB8AC3E}">
+        <p14:creationId xmlns:p14="http://schemas.microsoft.com/office/powerpoint/2010/main" val="3245175711"/>
+      </p:ext>
+    </p:extLst>
+  </p:cSld>
+  <p:clrMapOvr>
+    <a:masterClrMapping/>
+  </p:clrMapOvr>
+</p:sld>
+</file>
+
+<file path=ppt/slides/slide14.xml><?xml version="1.0" encoding="utf-8"?>
+<p:sld xmlns:a="http://schemas.openxmlformats.org/drawingml/2006/main" xmlns:r="http://schemas.openxmlformats.org/officeDocument/2006/relationships" xmlns:p="http://schemas.openxmlformats.org/presentationml/2006/main">
+  <p:cSld>
+    <p:spTree>
+      <p:nvGrpSpPr>
+        <p:cNvPr id="1" name=""/>
+        <p:cNvGrpSpPr/>
+        <p:nvPr/>
+      </p:nvGrpSpPr>
+      <p:grpSpPr>
+        <a:xfrm>
+          <a:off x="0" y="0"/>
+          <a:ext cx="0" cy="0"/>
+          <a:chOff x="0" y="0"/>
+          <a:chExt cx="0" cy="0"/>
+        </a:xfrm>
+      </p:grpSpPr>
+      <p:sp>
+        <p:nvSpPr>
+          <p:cNvPr id="10" name="TextBox 9">
+            <a:extLst>
+              <a:ext uri="{FF2B5EF4-FFF2-40B4-BE49-F238E27FC236}">
+                <a16:creationId xmlns:a16="http://schemas.microsoft.com/office/drawing/2014/main" id="{7653C085-42B5-4047-8EAD-EF04F940EECA}"/>
+              </a:ext>
+            </a:extLst>
+          </p:cNvPr>
+          <p:cNvSpPr txBox="1"/>
+          <p:nvPr/>
+        </p:nvSpPr>
+        <p:spPr>
+          <a:xfrm>
+            <a:off x="4626317" y="644750"/>
+            <a:ext cx="2249692" cy="584775"/>
+          </a:xfrm>
+          <a:prstGeom prst="rect">
+            <a:avLst/>
+          </a:prstGeom>
+          <a:noFill/>
+        </p:spPr>
+        <p:txBody>
+          <a:bodyPr wrap="square" rtlCol="0">
+            <a:spAutoFit/>
+          </a:bodyPr>
+          <a:lstStyle/>
+          <a:p>
+            <a:r>
+              <a:rPr lang="en-US" altLang="ko-KR" sz="3200" b="1" i="0" dirty="0">
+                <a:solidFill>
+                  <a:srgbClr val="555555"/>
+                </a:solidFill>
+                <a:effectLst/>
+                <a:latin typeface="Lato"/>
+              </a:rPr>
+              <a:t>Hard tanh</a:t>
+            </a:r>
+            <a:endParaRPr lang="en-US" altLang="ko-KR" sz="3200" b="1" dirty="0"/>
+          </a:p>
+        </p:txBody>
+      </p:sp>
+      <p:sp>
+        <p:nvSpPr>
+          <p:cNvPr id="9" name="TextBox 8">
+            <a:extLst>
+              <a:ext uri="{FF2B5EF4-FFF2-40B4-BE49-F238E27FC236}">
+                <a16:creationId xmlns:a16="http://schemas.microsoft.com/office/drawing/2014/main" id="{BF84A3B9-7FA6-4315-9F72-98B30125C756}"/>
+              </a:ext>
+            </a:extLst>
+          </p:cNvPr>
+          <p:cNvSpPr txBox="1"/>
+          <p:nvPr/>
+        </p:nvSpPr>
+        <p:spPr>
+          <a:xfrm>
+            <a:off x="1598864" y="5639359"/>
+            <a:ext cx="10554289" cy="461665"/>
+          </a:xfrm>
+          <a:prstGeom prst="rect">
+            <a:avLst/>
+          </a:prstGeom>
+          <a:noFill/>
+        </p:spPr>
+        <p:txBody>
+          <a:bodyPr wrap="square" rtlCol="0">
+            <a:spAutoFit/>
+          </a:bodyPr>
+          <a:lstStyle/>
+          <a:p>
+            <a:pPr marL="342900" indent="-342900">
+              <a:buFontTx/>
+              <a:buChar char="-"/>
+            </a:pPr>
+            <a:r>
+              <a:rPr lang="en-US" altLang="ko-KR" sz="2400" b="0" i="0" dirty="0">
+                <a:solidFill>
+                  <a:srgbClr val="24292E"/>
+                </a:solidFill>
+                <a:effectLst/>
+                <a:latin typeface="-apple-system"/>
+              </a:rPr>
+              <a:t>max(−1,min(1,a)) </a:t>
+            </a:r>
+            <a:r>
+              <a:rPr lang="ko-KR" altLang="en-US" sz="2400" b="0" i="0" dirty="0">
+                <a:solidFill>
+                  <a:srgbClr val="24292E"/>
+                </a:solidFill>
+                <a:effectLst/>
+                <a:latin typeface="-apple-system"/>
+              </a:rPr>
+              <a:t>으로 정의되며 </a:t>
+            </a:r>
+            <a:r>
+              <a:rPr lang="en-US" altLang="ko-KR" sz="2400" b="0" i="0" dirty="0">
+                <a:solidFill>
+                  <a:srgbClr val="24292E"/>
+                </a:solidFill>
+                <a:effectLst/>
+                <a:latin typeface="-apple-system"/>
+              </a:rPr>
+              <a:t>tanh</a:t>
+            </a:r>
+            <a:r>
+              <a:rPr lang="ko-KR" altLang="en-US" sz="2400" b="0" i="0" dirty="0">
+                <a:solidFill>
+                  <a:srgbClr val="24292E"/>
+                </a:solidFill>
+                <a:effectLst/>
+                <a:latin typeface="-apple-system"/>
+              </a:rPr>
+              <a:t>와 </a:t>
+            </a:r>
+            <a:r>
+              <a:rPr lang="en-US" altLang="ko-KR" sz="2400" b="0" i="0" dirty="0">
+                <a:solidFill>
+                  <a:srgbClr val="24292E"/>
+                </a:solidFill>
+                <a:effectLst/>
+                <a:latin typeface="-apple-system"/>
+              </a:rPr>
+              <a:t>rectifier</a:t>
+            </a:r>
+            <a:r>
+              <a:rPr lang="ko-KR" altLang="en-US" sz="2400" b="0" i="0" dirty="0">
+                <a:solidFill>
+                  <a:srgbClr val="24292E"/>
+                </a:solidFill>
+                <a:effectLst/>
+                <a:latin typeface="-apple-system"/>
+              </a:rPr>
+              <a:t>와 비슷하다</a:t>
+            </a:r>
+            <a:r>
+              <a:rPr lang="en-US" altLang="ko-KR" sz="2400" b="0" i="0" dirty="0">
+                <a:solidFill>
+                  <a:srgbClr val="24292E"/>
+                </a:solidFill>
+                <a:effectLst/>
+                <a:latin typeface="-apple-system"/>
+              </a:rPr>
+              <a:t>.</a:t>
+            </a:r>
+            <a:endParaRPr lang="en-US" altLang="ko-KR" dirty="0"/>
+          </a:p>
+        </p:txBody>
+      </p:sp>
+      <p:pic>
+        <p:nvPicPr>
+          <p:cNvPr id="2" name="그림 1">
+            <a:extLst>
+              <a:ext uri="{FF2B5EF4-FFF2-40B4-BE49-F238E27FC236}">
+                <a16:creationId xmlns:a16="http://schemas.microsoft.com/office/drawing/2014/main" id="{F93F482F-2E4B-457D-8E85-224BFDA1F162}"/>
+              </a:ext>
+            </a:extLst>
+          </p:cNvPr>
+          <p:cNvPicPr>
+            <a:picLocks noChangeAspect="1"/>
+          </p:cNvPicPr>
+          <p:nvPr/>
+        </p:nvPicPr>
+        <p:blipFill>
+          <a:blip r:embed="rId2"/>
+          <a:stretch>
+            <a:fillRect/>
+          </a:stretch>
+        </p:blipFill>
+        <p:spPr>
+          <a:xfrm>
+            <a:off x="2703163" y="1534762"/>
+            <a:ext cx="6096000" cy="3436503"/>
+          </a:xfrm>
+          <a:prstGeom prst="rect">
+            <a:avLst/>
+          </a:prstGeom>
+        </p:spPr>
+      </p:pic>
+    </p:spTree>
+    <p:extLst>
+      <p:ext uri="{BB962C8B-B14F-4D97-AF65-F5344CB8AC3E}">
+        <p14:creationId xmlns:p14="http://schemas.microsoft.com/office/powerpoint/2010/main" val="4119262281"/>
+      </p:ext>
+    </p:extLst>
+  </p:cSld>
+  <p:clrMapOvr>
+    <a:masterClrMapping/>
+  </p:clrMapOvr>
+</p:sld>
+</file>
+
+<file path=ppt/slides/slide15.xml><?xml version="1.0" encoding="utf-8"?>
+<p:sld xmlns:a="http://schemas.openxmlformats.org/drawingml/2006/main" xmlns:r="http://schemas.openxmlformats.org/officeDocument/2006/relationships" xmlns:p="http://schemas.openxmlformats.org/presentationml/2006/main">
+  <p:cSld>
+    <p:spTree>
+      <p:nvGrpSpPr>
+        <p:cNvPr id="1" name=""/>
+        <p:cNvGrpSpPr/>
+        <p:nvPr/>
+      </p:nvGrpSpPr>
+      <p:grpSpPr>
+        <a:xfrm>
+          <a:off x="0" y="0"/>
+          <a:ext cx="0" cy="0"/>
+          <a:chOff x="0" y="0"/>
+          <a:chExt cx="0" cy="0"/>
+        </a:xfrm>
+      </p:grpSpPr>
     </p:spTree>
     <p:extLst>
       <p:ext uri="{BB962C8B-B14F-4D97-AF65-F5344CB8AC3E}">
@@ -6523,12 +7859,124 @@
           <a:chExt cx="0" cy="0"/>
         </a:xfrm>
       </p:grpSpPr>
+      <p:sp>
+        <p:nvSpPr>
+          <p:cNvPr id="10" name="TextBox 9">
+            <a:extLst>
+              <a:ext uri="{FF2B5EF4-FFF2-40B4-BE49-F238E27FC236}">
+                <a16:creationId xmlns:a16="http://schemas.microsoft.com/office/drawing/2014/main" id="{7653C085-42B5-4047-8EAD-EF04F940EECA}"/>
+              </a:ext>
+            </a:extLst>
+          </p:cNvPr>
+          <p:cNvSpPr txBox="1"/>
+          <p:nvPr/>
+        </p:nvSpPr>
+        <p:spPr>
+          <a:xfrm>
+            <a:off x="1349175" y="659784"/>
+            <a:ext cx="10101943" cy="584775"/>
+          </a:xfrm>
+          <a:prstGeom prst="rect">
+            <a:avLst/>
+          </a:prstGeom>
+          <a:noFill/>
+        </p:spPr>
+        <p:txBody>
+          <a:bodyPr wrap="square" rtlCol="0">
+            <a:spAutoFit/>
+          </a:bodyPr>
+          <a:lstStyle/>
+          <a:p>
+            <a:r>
+              <a:rPr lang="en-US" altLang="ko-KR" sz="3200" b="1" i="0" dirty="0">
+                <a:solidFill>
+                  <a:srgbClr val="555555"/>
+                </a:solidFill>
+                <a:effectLst/>
+                <a:latin typeface="Lato"/>
+              </a:rPr>
+              <a:t>Rectified Linear Units and Their Generalizations</a:t>
+            </a:r>
+            <a:endParaRPr lang="en-US" altLang="ko-KR" sz="3200" b="1" dirty="0"/>
+          </a:p>
+        </p:txBody>
+      </p:sp>
+      <p:sp>
+        <p:nvSpPr>
+          <p:cNvPr id="6" name="TextBox 5">
+            <a:extLst>
+              <a:ext uri="{FF2B5EF4-FFF2-40B4-BE49-F238E27FC236}">
+                <a16:creationId xmlns:a16="http://schemas.microsoft.com/office/drawing/2014/main" id="{FAEC736F-7E10-46C6-B1FB-F3124A9482FF}"/>
+              </a:ext>
+            </a:extLst>
+          </p:cNvPr>
+          <p:cNvSpPr txBox="1"/>
+          <p:nvPr/>
+        </p:nvSpPr>
+        <p:spPr>
+          <a:xfrm>
+            <a:off x="1898312" y="1761871"/>
+            <a:ext cx="9003667" cy="523220"/>
+          </a:xfrm>
+          <a:prstGeom prst="rect">
+            <a:avLst/>
+          </a:prstGeom>
+          <a:noFill/>
+        </p:spPr>
+        <p:txBody>
+          <a:bodyPr wrap="square" rtlCol="0">
+            <a:spAutoFit/>
+          </a:bodyPr>
+          <a:lstStyle/>
+          <a:p>
+            <a:r>
+              <a:rPr lang="en-US" altLang="ko-KR" sz="2800" dirty="0" err="1"/>
+              <a:t>ReLU</a:t>
+            </a:r>
+            <a:r>
+              <a:rPr lang="ko-KR" altLang="en-US" sz="2800" dirty="0"/>
+              <a:t>함수는 최근 가장 많이 사용되는 활성화 함수</a:t>
+            </a:r>
+            <a:endParaRPr lang="en-US" altLang="ko-KR" sz="2800" dirty="0"/>
+          </a:p>
+        </p:txBody>
+      </p:sp>
       <p:pic>
         <p:nvPicPr>
-          <p:cNvPr id="4" name="Picture 2" descr="피드 포워드 신경망">
+          <p:cNvPr id="3" name="그림 2">
             <a:extLst>
               <a:ext uri="{FF2B5EF4-FFF2-40B4-BE49-F238E27FC236}">
-                <a16:creationId xmlns:a16="http://schemas.microsoft.com/office/drawing/2014/main" id="{28E94F85-0661-4A34-A525-1BD11BB3C422}"/>
+                <a16:creationId xmlns:a16="http://schemas.microsoft.com/office/drawing/2014/main" id="{59685670-A1B9-4F3A-9522-8DCFCF85E9B9}"/>
+              </a:ext>
+            </a:extLst>
+          </p:cNvPr>
+          <p:cNvPicPr>
+            <a:picLocks noChangeAspect="1"/>
+          </p:cNvPicPr>
+          <p:nvPr/>
+        </p:nvPicPr>
+        <p:blipFill>
+          <a:blip r:embed="rId2"/>
+          <a:stretch>
+            <a:fillRect/>
+          </a:stretch>
+        </p:blipFill>
+        <p:spPr>
+          <a:xfrm>
+            <a:off x="687964" y="3924056"/>
+            <a:ext cx="2420696" cy="584775"/>
+          </a:xfrm>
+          <a:prstGeom prst="rect">
+            <a:avLst/>
+          </a:prstGeom>
+        </p:spPr>
+      </p:pic>
+      <p:pic>
+        <p:nvPicPr>
+          <p:cNvPr id="1026" name="Picture 2" descr="relu">
+            <a:extLst>
+              <a:ext uri="{FF2B5EF4-FFF2-40B4-BE49-F238E27FC236}">
+                <a16:creationId xmlns:a16="http://schemas.microsoft.com/office/drawing/2014/main" id="{F124B587-ABF7-431C-8C95-44B446E54626}"/>
               </a:ext>
             </a:extLst>
           </p:cNvPr>
@@ -6538,7 +7986,7 @@
           <p:nvPr/>
         </p:nvPicPr>
         <p:blipFill>
-          <a:blip r:embed="rId2">
+          <a:blip r:embed="rId3">
             <a:extLst>
               <a:ext uri="{28A0092B-C50C-407E-A947-70E740481C1C}">
                 <a14:useLocalDpi xmlns:a14="http://schemas.microsoft.com/office/drawing/2010/main" val="0"/>
@@ -6552,8 +8000,8 @@
         </p:blipFill>
         <p:spPr bwMode="auto">
           <a:xfrm>
-            <a:off x="842731" y="1798655"/>
-            <a:ext cx="5253267" cy="4105330"/>
+            <a:off x="3568631" y="2730956"/>
+            <a:ext cx="5663027" cy="3683907"/>
           </a:xfrm>
           <a:prstGeom prst="rect">
             <a:avLst/>
@@ -6570,126 +8018,6 @@
           </a:extLst>
         </p:spPr>
       </p:pic>
-      <p:sp>
-        <p:nvSpPr>
-          <p:cNvPr id="10" name="TextBox 9">
-            <a:extLst>
-              <a:ext uri="{FF2B5EF4-FFF2-40B4-BE49-F238E27FC236}">
-                <a16:creationId xmlns:a16="http://schemas.microsoft.com/office/drawing/2014/main" id="{7653C085-42B5-4047-8EAD-EF04F940EECA}"/>
-              </a:ext>
-            </a:extLst>
-          </p:cNvPr>
-          <p:cNvSpPr txBox="1"/>
-          <p:nvPr/>
-        </p:nvSpPr>
-        <p:spPr>
-          <a:xfrm>
-            <a:off x="3245478" y="681828"/>
-            <a:ext cx="5701041" cy="584775"/>
-          </a:xfrm>
-          <a:prstGeom prst="rect">
-            <a:avLst/>
-          </a:prstGeom>
-          <a:noFill/>
-        </p:spPr>
-        <p:txBody>
-          <a:bodyPr wrap="square" rtlCol="0">
-            <a:spAutoFit/>
-          </a:bodyPr>
-          <a:lstStyle/>
-          <a:p>
-            <a:r>
-              <a:rPr lang="en-US" altLang="ko-KR" sz="3200" b="1" i="0" dirty="0">
-                <a:solidFill>
-                  <a:srgbClr val="555555"/>
-                </a:solidFill>
-                <a:effectLst/>
-                <a:latin typeface="Lato"/>
-              </a:rPr>
-              <a:t>Deep Feedforward Networks</a:t>
-            </a:r>
-            <a:endParaRPr lang="en-US" altLang="ko-KR" sz="3200" b="1" dirty="0"/>
-          </a:p>
-        </p:txBody>
-      </p:sp>
-      <p:pic>
-        <p:nvPicPr>
-          <p:cNvPr id="11" name="그림 10">
-            <a:extLst>
-              <a:ext uri="{FF2B5EF4-FFF2-40B4-BE49-F238E27FC236}">
-                <a16:creationId xmlns:a16="http://schemas.microsoft.com/office/drawing/2014/main" id="{DA9C5898-EC79-42D7-9C79-16EBCC813DE9}"/>
-              </a:ext>
-            </a:extLst>
-          </p:cNvPr>
-          <p:cNvPicPr>
-            <a:picLocks noChangeAspect="1"/>
-          </p:cNvPicPr>
-          <p:nvPr/>
-        </p:nvPicPr>
-        <p:blipFill>
-          <a:blip r:embed="rId3">
-            <a:extLst>
-              <a:ext uri="{28A0092B-C50C-407E-A947-70E740481C1C}">
-                <a14:useLocalDpi xmlns:a14="http://schemas.microsoft.com/office/drawing/2010/main" val="0"/>
-              </a:ext>
-            </a:extLst>
-          </a:blip>
-          <a:stretch>
-            <a:fillRect/>
-          </a:stretch>
-        </p:blipFill>
-        <p:spPr>
-          <a:xfrm>
-            <a:off x="5697792" y="2878857"/>
-            <a:ext cx="1404710" cy="1390830"/>
-          </a:xfrm>
-          <a:prstGeom prst="rect">
-            <a:avLst/>
-          </a:prstGeom>
-        </p:spPr>
-      </p:pic>
-      <p:sp>
-        <p:nvSpPr>
-          <p:cNvPr id="13" name="TextBox 12">
-            <a:extLst>
-              <a:ext uri="{FF2B5EF4-FFF2-40B4-BE49-F238E27FC236}">
-                <a16:creationId xmlns:a16="http://schemas.microsoft.com/office/drawing/2014/main" id="{181D537A-BB81-4F2C-A9C6-B6A53E465758}"/>
-              </a:ext>
-            </a:extLst>
-          </p:cNvPr>
-          <p:cNvSpPr txBox="1"/>
-          <p:nvPr/>
-        </p:nvSpPr>
-        <p:spPr>
-          <a:xfrm>
-            <a:off x="7770326" y="3092152"/>
-            <a:ext cx="4036143" cy="1077218"/>
-          </a:xfrm>
-          <a:prstGeom prst="rect">
-            <a:avLst/>
-          </a:prstGeom>
-          <a:noFill/>
-        </p:spPr>
-        <p:txBody>
-          <a:bodyPr wrap="square" rtlCol="0">
-            <a:spAutoFit/>
-          </a:bodyPr>
-          <a:lstStyle/>
-          <a:p>
-            <a:r>
-              <a:rPr lang="en-US" altLang="ko-KR" sz="3200" b="1" i="0" dirty="0">
-                <a:solidFill>
-                  <a:srgbClr val="555555"/>
-                </a:solidFill>
-                <a:effectLst/>
-                <a:latin typeface="Lato"/>
-              </a:rPr>
-              <a:t>Multi Layer Perceptron</a:t>
-            </a:r>
-            <a:endParaRPr lang="en-US" altLang="ko-KR" sz="3200" b="1" dirty="0"/>
-          </a:p>
-        </p:txBody>
-      </p:sp>
     </p:spTree>
     <p:extLst>
       <p:ext uri="{BB962C8B-B14F-4D97-AF65-F5344CB8AC3E}">
@@ -6720,53 +8048,6 @@
           <a:chExt cx="0" cy="0"/>
         </a:xfrm>
       </p:grpSpPr>
-      <p:pic>
-        <p:nvPicPr>
-          <p:cNvPr id="4" name="Picture 2" descr="피드 포워드 신경망">
-            <a:extLst>
-              <a:ext uri="{FF2B5EF4-FFF2-40B4-BE49-F238E27FC236}">
-                <a16:creationId xmlns:a16="http://schemas.microsoft.com/office/drawing/2014/main" id="{28E94F85-0661-4A34-A525-1BD11BB3C422}"/>
-              </a:ext>
-            </a:extLst>
-          </p:cNvPr>
-          <p:cNvPicPr>
-            <a:picLocks noChangeAspect="1" noChangeArrowheads="1"/>
-          </p:cNvPicPr>
-          <p:nvPr/>
-        </p:nvPicPr>
-        <p:blipFill>
-          <a:blip r:embed="rId2">
-            <a:extLst>
-              <a:ext uri="{28A0092B-C50C-407E-A947-70E740481C1C}">
-                <a14:useLocalDpi xmlns:a14="http://schemas.microsoft.com/office/drawing/2010/main" val="0"/>
-              </a:ext>
-            </a:extLst>
-          </a:blip>
-          <a:srcRect/>
-          <a:stretch>
-            <a:fillRect/>
-          </a:stretch>
-        </p:blipFill>
-        <p:spPr bwMode="auto">
-          <a:xfrm>
-            <a:off x="842731" y="1798655"/>
-            <a:ext cx="5253267" cy="4105330"/>
-          </a:xfrm>
-          <a:prstGeom prst="rect">
-            <a:avLst/>
-          </a:prstGeom>
-          <a:noFill/>
-          <a:extLst>
-            <a:ext uri="{909E8E84-426E-40DD-AFC4-6F175D3DCCD1}">
-              <a14:hiddenFill xmlns:a14="http://schemas.microsoft.com/office/drawing/2010/main">
-                <a:solidFill>
-                  <a:srgbClr val="FFFFFF"/>
-                </a:solidFill>
-              </a14:hiddenFill>
-            </a:ext>
-          </a:extLst>
-        </p:spPr>
-      </p:pic>
       <p:sp>
         <p:nvSpPr>
           <p:cNvPr id="10" name="TextBox 9">
@@ -6781,8 +8062,8 @@
         </p:nvSpPr>
         <p:spPr>
           <a:xfrm>
-            <a:off x="3245478" y="681828"/>
-            <a:ext cx="5701041" cy="584775"/>
+            <a:off x="1349175" y="659784"/>
+            <a:ext cx="10101943" cy="584775"/>
           </a:xfrm>
           <a:prstGeom prst="rect">
             <a:avLst/>
@@ -6803,18 +8084,134 @@
                 <a:effectLst/>
                 <a:latin typeface="Lato"/>
               </a:rPr>
-              <a:t>Deep Feedforward Networks</a:t>
+              <a:t>Rectified Linear Units and Their Generalizations</a:t>
             </a:r>
             <a:endParaRPr lang="en-US" altLang="ko-KR" sz="3200" b="1" dirty="0"/>
+          </a:p>
+        </p:txBody>
+      </p:sp>
+      <p:sp>
+        <p:nvSpPr>
+          <p:cNvPr id="6" name="TextBox 5">
+            <a:extLst>
+              <a:ext uri="{FF2B5EF4-FFF2-40B4-BE49-F238E27FC236}">
+                <a16:creationId xmlns:a16="http://schemas.microsoft.com/office/drawing/2014/main" id="{FAEC736F-7E10-46C6-B1FB-F3124A9482FF}"/>
+              </a:ext>
+            </a:extLst>
+          </p:cNvPr>
+          <p:cNvSpPr txBox="1"/>
+          <p:nvPr/>
+        </p:nvSpPr>
+        <p:spPr>
+          <a:xfrm>
+            <a:off x="1594166" y="4162369"/>
+            <a:ext cx="9003667" cy="1384995"/>
+          </a:xfrm>
+          <a:prstGeom prst="rect">
+            <a:avLst/>
+          </a:prstGeom>
+          <a:noFill/>
+        </p:spPr>
+        <p:txBody>
+          <a:bodyPr wrap="square" rtlCol="0">
+            <a:spAutoFit/>
+          </a:bodyPr>
+          <a:lstStyle/>
+          <a:p>
+            <a:r>
+              <a:rPr lang="ko-KR" altLang="en-US" sz="2800" b="0" i="0" dirty="0">
+                <a:effectLst/>
+                <a:latin typeface="Lato"/>
+              </a:rPr>
+              <a:t>위 수식처럼 보통 </a:t>
+            </a:r>
+            <a:r>
+              <a:rPr lang="en-US" altLang="ko-KR" sz="2800" b="0" i="0" dirty="0">
+                <a:effectLst/>
+                <a:latin typeface="Lato"/>
+              </a:rPr>
+              <a:t>activation function</a:t>
+            </a:r>
+            <a:r>
+              <a:rPr lang="ko-KR" altLang="en-US" sz="2800" b="0" i="0" dirty="0">
+                <a:effectLst/>
+                <a:latin typeface="Lato"/>
+              </a:rPr>
+              <a:t>은 </a:t>
+            </a:r>
+            <a:r>
+              <a:rPr lang="en-US" altLang="ko-KR" sz="2800" b="0" i="0" dirty="0">
+                <a:effectLst/>
+                <a:latin typeface="Lato"/>
+              </a:rPr>
+              <a:t>affine matrix</a:t>
+            </a:r>
+            <a:r>
+              <a:rPr lang="ko-KR" altLang="en-US" sz="2800" b="0" i="0" dirty="0">
+                <a:effectLst/>
+                <a:latin typeface="Lato"/>
+              </a:rPr>
+              <a:t>후에 적용된다</a:t>
+            </a:r>
+            <a:r>
+              <a:rPr lang="en-US" altLang="ko-KR" sz="2800" b="0" i="0" dirty="0">
+                <a:effectLst/>
+                <a:latin typeface="Lato"/>
+              </a:rPr>
+              <a:t>. </a:t>
+            </a:r>
+            <a:r>
+              <a:rPr lang="ko-KR" altLang="en-US" sz="2800" b="0" i="0" dirty="0">
+                <a:effectLst/>
+                <a:latin typeface="Lato"/>
+              </a:rPr>
+              <a:t>이때 </a:t>
+            </a:r>
+            <a:r>
+              <a:rPr lang="en-US" altLang="ko-KR" sz="2800" b="0" i="0" dirty="0">
+                <a:effectLst/>
+                <a:latin typeface="MJXc-TeX-math-BI"/>
+              </a:rPr>
+              <a:t>b</a:t>
+            </a:r>
+            <a:r>
+              <a:rPr lang="ko-KR" altLang="en-US" sz="2800" b="0" i="0" dirty="0">
+                <a:effectLst/>
+                <a:latin typeface="Lato"/>
+              </a:rPr>
+              <a:t>는 </a:t>
+            </a:r>
+            <a:r>
+              <a:rPr lang="en-US" altLang="ko-KR" sz="2800" b="0" i="0" dirty="0">
+                <a:effectLst/>
+                <a:latin typeface="Lato"/>
+              </a:rPr>
+              <a:t>0.1</a:t>
+            </a:r>
+            <a:r>
+              <a:rPr lang="ko-KR" altLang="en-US" sz="2800" b="0" i="0" dirty="0">
+                <a:effectLst/>
+                <a:latin typeface="Lato"/>
+              </a:rPr>
+              <a:t>처럼 작은 양수로 초기값을 설정한다</a:t>
+            </a:r>
+            <a:r>
+              <a:rPr lang="en-US" altLang="ko-KR" sz="2800" b="0" i="0" dirty="0">
+                <a:effectLst/>
+                <a:latin typeface="Lato"/>
+              </a:rPr>
+              <a:t>.</a:t>
+            </a:r>
+            <a:endParaRPr lang="en-US" altLang="ko-KR" sz="2800" dirty="0"/>
           </a:p>
         </p:txBody>
       </p:sp>
       <p:pic>
         <p:nvPicPr>
-          <p:cNvPr id="11" name="그림 10">
+          <p:cNvPr id="4" name="그림 3">
             <a:extLst>
               <a:ext uri="{FF2B5EF4-FFF2-40B4-BE49-F238E27FC236}">
-                <a16:creationId xmlns:a16="http://schemas.microsoft.com/office/drawing/2014/main" id="{DA9C5898-EC79-42D7-9C79-16EBCC813DE9}"/>
+                <a16:creationId xmlns:a16="http://schemas.microsoft.com/office/drawing/2014/main" id="{9BA3ABB2-469D-448B-B202-B997CAE69574}"/>
               </a:ext>
             </a:extLst>
           </p:cNvPr>
@@ -6824,73 +8221,55 @@
           <p:nvPr/>
         </p:nvPicPr>
         <p:blipFill>
-          <a:blip r:embed="rId3">
-            <a:extLst>
-              <a:ext uri="{28A0092B-C50C-407E-A947-70E740481C1C}">
-                <a14:useLocalDpi xmlns:a14="http://schemas.microsoft.com/office/drawing/2010/main" val="0"/>
-              </a:ext>
-            </a:extLst>
-          </a:blip>
+          <a:blip r:embed="rId2"/>
           <a:stretch>
             <a:fillRect/>
           </a:stretch>
         </p:blipFill>
         <p:spPr>
           <a:xfrm>
-            <a:off x="5697792" y="2878857"/>
-            <a:ext cx="1404710" cy="1390830"/>
+            <a:off x="4171722" y="2312879"/>
+            <a:ext cx="2781194" cy="920671"/>
           </a:xfrm>
           <a:prstGeom prst="rect">
             <a:avLst/>
           </a:prstGeom>
+          <a:solidFill>
+            <a:srgbClr val="FFFFFF">
+              <a:shade val="85000"/>
+            </a:srgbClr>
+          </a:solidFill>
+          <a:ln w="88900" cap="sq">
+            <a:solidFill>
+              <a:srgbClr val="FFFFFF"/>
+            </a:solidFill>
+            <a:miter lim="800000"/>
+          </a:ln>
+          <a:effectLst>
+            <a:outerShdw blurRad="55000" dist="18000" dir="5400000" algn="tl" rotWithShape="0">
+              <a:srgbClr val="000000">
+                <a:alpha val="40000"/>
+              </a:srgbClr>
+            </a:outerShdw>
+          </a:effectLst>
+          <a:scene3d>
+            <a:camera prst="orthographicFront"/>
+            <a:lightRig rig="twoPt" dir="t">
+              <a:rot lat="0" lon="0" rev="7200000"/>
+            </a:lightRig>
+          </a:scene3d>
+          <a:sp3d>
+            <a:bevelT w="25400" h="19050"/>
+            <a:contourClr>
+              <a:srgbClr val="FFFFFF"/>
+            </a:contourClr>
+          </a:sp3d>
         </p:spPr>
       </p:pic>
-      <p:sp>
-        <p:nvSpPr>
-          <p:cNvPr id="13" name="TextBox 12">
-            <a:extLst>
-              <a:ext uri="{FF2B5EF4-FFF2-40B4-BE49-F238E27FC236}">
-                <a16:creationId xmlns:a16="http://schemas.microsoft.com/office/drawing/2014/main" id="{181D537A-BB81-4F2C-A9C6-B6A53E465758}"/>
-              </a:ext>
-            </a:extLst>
-          </p:cNvPr>
-          <p:cNvSpPr txBox="1"/>
-          <p:nvPr/>
-        </p:nvSpPr>
-        <p:spPr>
-          <a:xfrm>
-            <a:off x="7770326" y="3092152"/>
-            <a:ext cx="4036143" cy="1077218"/>
-          </a:xfrm>
-          <a:prstGeom prst="rect">
-            <a:avLst/>
-          </a:prstGeom>
-          <a:noFill/>
-        </p:spPr>
-        <p:txBody>
-          <a:bodyPr wrap="square" rtlCol="0">
-            <a:spAutoFit/>
-          </a:bodyPr>
-          <a:lstStyle/>
-          <a:p>
-            <a:r>
-              <a:rPr lang="en-US" altLang="ko-KR" sz="3200" b="1" i="0" dirty="0">
-                <a:solidFill>
-                  <a:srgbClr val="555555"/>
-                </a:solidFill>
-                <a:effectLst/>
-                <a:latin typeface="Lato"/>
-              </a:rPr>
-              <a:t>Multi Layer Perceptron</a:t>
-            </a:r>
-            <a:endParaRPr lang="en-US" altLang="ko-KR" sz="3200" b="1" dirty="0"/>
-          </a:p>
-        </p:txBody>
-      </p:sp>
     </p:spTree>
     <p:extLst>
       <p:ext uri="{BB962C8B-B14F-4D97-AF65-F5344CB8AC3E}">
-        <p14:creationId xmlns:p14="http://schemas.microsoft.com/office/powerpoint/2010/main" val="3165978907"/>
+        <p14:creationId xmlns:p14="http://schemas.microsoft.com/office/powerpoint/2010/main" val="3487766622"/>
       </p:ext>
     </p:extLst>
   </p:cSld>
@@ -6917,12 +8296,299 @@
           <a:chExt cx="0" cy="0"/>
         </a:xfrm>
       </p:grpSpPr>
+      <p:sp>
+        <p:nvSpPr>
+          <p:cNvPr id="10" name="TextBox 9">
+            <a:extLst>
+              <a:ext uri="{FF2B5EF4-FFF2-40B4-BE49-F238E27FC236}">
+                <a16:creationId xmlns:a16="http://schemas.microsoft.com/office/drawing/2014/main" id="{7653C085-42B5-4047-8EAD-EF04F940EECA}"/>
+              </a:ext>
+            </a:extLst>
+          </p:cNvPr>
+          <p:cNvSpPr txBox="1"/>
+          <p:nvPr/>
+        </p:nvSpPr>
+        <p:spPr>
+          <a:xfrm>
+            <a:off x="4368631" y="725861"/>
+            <a:ext cx="2539347" cy="584775"/>
+          </a:xfrm>
+          <a:prstGeom prst="rect">
+            <a:avLst/>
+          </a:prstGeom>
+          <a:noFill/>
+        </p:spPr>
+        <p:txBody>
+          <a:bodyPr wrap="square" rtlCol="0">
+            <a:spAutoFit/>
+          </a:bodyPr>
+          <a:lstStyle/>
+          <a:p>
+            <a:r>
+              <a:rPr lang="en-US" altLang="ko-KR" sz="3200" b="1" dirty="0">
+                <a:solidFill>
+                  <a:srgbClr val="555555"/>
+                </a:solidFill>
+                <a:latin typeface="Lato"/>
+              </a:rPr>
+              <a:t>Leaky</a:t>
+            </a:r>
+            <a:r>
+              <a:rPr lang="ko-KR" altLang="en-US" sz="3200" b="1" dirty="0">
+                <a:solidFill>
+                  <a:srgbClr val="555555"/>
+                </a:solidFill>
+                <a:latin typeface="Lato"/>
+              </a:rPr>
+              <a:t> </a:t>
+            </a:r>
+            <a:r>
+              <a:rPr lang="en-US" altLang="ko-KR" sz="3200" b="1" dirty="0" err="1">
+                <a:solidFill>
+                  <a:srgbClr val="555555"/>
+                </a:solidFill>
+                <a:latin typeface="Lato"/>
+              </a:rPr>
+              <a:t>ReLU</a:t>
+            </a:r>
+            <a:endParaRPr lang="en-US" altLang="ko-KR" sz="3200" b="1" dirty="0"/>
+          </a:p>
+        </p:txBody>
+      </p:sp>
+      <p:sp>
+        <p:nvSpPr>
+          <p:cNvPr id="6" name="TextBox 5">
+            <a:extLst>
+              <a:ext uri="{FF2B5EF4-FFF2-40B4-BE49-F238E27FC236}">
+                <a16:creationId xmlns:a16="http://schemas.microsoft.com/office/drawing/2014/main" id="{FAEC736F-7E10-46C6-B1FB-F3124A9482FF}"/>
+              </a:ext>
+            </a:extLst>
+          </p:cNvPr>
+          <p:cNvSpPr txBox="1"/>
+          <p:nvPr/>
+        </p:nvSpPr>
+        <p:spPr>
+          <a:xfrm>
+            <a:off x="1698172" y="4845234"/>
+            <a:ext cx="10670404" cy="1569660"/>
+          </a:xfrm>
+          <a:prstGeom prst="rect">
+            <a:avLst/>
+          </a:prstGeom>
+          <a:noFill/>
+        </p:spPr>
+        <p:txBody>
+          <a:bodyPr wrap="square" rtlCol="0">
+            <a:spAutoFit/>
+          </a:bodyPr>
+          <a:lstStyle/>
+          <a:p>
+            <a:r>
+              <a:rPr lang="en-US" altLang="ko-KR" sz="2400" b="0" i="0" dirty="0">
+                <a:solidFill>
+                  <a:srgbClr val="24292E"/>
+                </a:solidFill>
+                <a:effectLst/>
+                <a:latin typeface="-apple-system"/>
+              </a:rPr>
+              <a:t>- Leaky </a:t>
+            </a:r>
+            <a:r>
+              <a:rPr lang="en-US" altLang="ko-KR" sz="2400" b="0" i="0" dirty="0" err="1">
+                <a:solidFill>
+                  <a:srgbClr val="24292E"/>
+                </a:solidFill>
+                <a:effectLst/>
+                <a:latin typeface="-apple-system"/>
+              </a:rPr>
+              <a:t>ReLU</a:t>
+            </a:r>
+            <a:r>
+              <a:rPr lang="ko-KR" altLang="en-US" sz="2400" b="0" i="0" dirty="0">
+                <a:solidFill>
+                  <a:srgbClr val="24292E"/>
+                </a:solidFill>
+                <a:effectLst/>
+                <a:latin typeface="-apple-system"/>
+              </a:rPr>
+              <a:t>는 </a:t>
+            </a:r>
+            <a:r>
+              <a:rPr lang="en-US" altLang="ko-KR" sz="2400" b="0" i="0" dirty="0" err="1">
+                <a:solidFill>
+                  <a:srgbClr val="24292E"/>
+                </a:solidFill>
+                <a:effectLst/>
+                <a:latin typeface="-apple-system"/>
+              </a:rPr>
+              <a:t>ReLU</a:t>
+            </a:r>
+            <a:r>
+              <a:rPr lang="ko-KR" altLang="en-US" sz="2400" b="0" i="0" dirty="0">
+                <a:solidFill>
+                  <a:srgbClr val="24292E"/>
+                </a:solidFill>
+                <a:effectLst/>
+                <a:latin typeface="-apple-system"/>
+              </a:rPr>
+              <a:t>와 거의 비슷한 형태를 갖는다</a:t>
+            </a:r>
+            <a:r>
+              <a:rPr lang="en-US" altLang="ko-KR" sz="2400" b="0" i="0" dirty="0">
+                <a:solidFill>
+                  <a:srgbClr val="24292E"/>
+                </a:solidFill>
+                <a:effectLst/>
+                <a:latin typeface="-apple-system"/>
+              </a:rPr>
+              <a:t>. </a:t>
+            </a:r>
+          </a:p>
+          <a:p>
+            <a:r>
+              <a:rPr lang="en-US" altLang="ko-KR" sz="2400" b="0" i="0" dirty="0">
+                <a:solidFill>
+                  <a:srgbClr val="24292E"/>
+                </a:solidFill>
+                <a:effectLst/>
+                <a:latin typeface="-apple-system"/>
+              </a:rPr>
+              <a:t>- </a:t>
+            </a:r>
+            <a:r>
+              <a:rPr lang="ko-KR" altLang="en-US" sz="2400" b="0" i="0" dirty="0">
+                <a:solidFill>
+                  <a:srgbClr val="24292E"/>
+                </a:solidFill>
+                <a:effectLst/>
+                <a:latin typeface="-apple-system"/>
+              </a:rPr>
+              <a:t>입력 값이 음수일 때 완만한 선형 함수를 그려준다</a:t>
+            </a:r>
+            <a:r>
+              <a:rPr lang="en-US" altLang="ko-KR" sz="2400" b="0" i="0" dirty="0">
+                <a:solidFill>
+                  <a:srgbClr val="24292E"/>
+                </a:solidFill>
+                <a:effectLst/>
+                <a:latin typeface="-apple-system"/>
+              </a:rPr>
+              <a:t>. </a:t>
+            </a:r>
+          </a:p>
+          <a:p>
+            <a:r>
+              <a:rPr lang="en-US" altLang="ko-KR" sz="2400" b="0" i="0" dirty="0">
+                <a:solidFill>
+                  <a:srgbClr val="24292E"/>
+                </a:solidFill>
+                <a:effectLst/>
+                <a:latin typeface="-apple-system"/>
+              </a:rPr>
+              <a:t>- </a:t>
+            </a:r>
+            <a:r>
+              <a:rPr lang="ko-KR" altLang="en-US" sz="2400" b="0" i="0" dirty="0">
+                <a:solidFill>
+                  <a:srgbClr val="24292E"/>
+                </a:solidFill>
+                <a:effectLst/>
+                <a:latin typeface="-apple-system"/>
+              </a:rPr>
+              <a:t>일반적으로 알파를 </a:t>
+            </a:r>
+            <a:r>
+              <a:rPr lang="en-US" altLang="ko-KR" sz="2400" b="0" i="0" dirty="0">
+                <a:solidFill>
+                  <a:srgbClr val="24292E"/>
+                </a:solidFill>
+                <a:effectLst/>
+                <a:latin typeface="-apple-system"/>
+              </a:rPr>
+              <a:t>0.01</a:t>
+            </a:r>
+            <a:r>
+              <a:rPr lang="ko-KR" altLang="en-US" sz="2400" b="0" i="0" dirty="0">
+                <a:solidFill>
+                  <a:srgbClr val="24292E"/>
+                </a:solidFill>
+                <a:effectLst/>
+                <a:latin typeface="-apple-system"/>
+              </a:rPr>
+              <a:t>로 설정한다</a:t>
+            </a:r>
+            <a:r>
+              <a:rPr lang="en-US" altLang="ko-KR" sz="2400" b="0" i="0" dirty="0">
+                <a:solidFill>
+                  <a:srgbClr val="24292E"/>
+                </a:solidFill>
+                <a:effectLst/>
+                <a:latin typeface="-apple-system"/>
+              </a:rPr>
+              <a:t>. </a:t>
+            </a:r>
+          </a:p>
+          <a:p>
+            <a:r>
+              <a:rPr lang="en-US" altLang="ko-KR" sz="2400" b="0" i="0" dirty="0">
+                <a:solidFill>
+                  <a:srgbClr val="24292E"/>
+                </a:solidFill>
+                <a:effectLst/>
+                <a:latin typeface="-apple-system"/>
+              </a:rPr>
+              <a:t>- (</a:t>
+            </a:r>
+            <a:r>
+              <a:rPr lang="ko-KR" altLang="en-US" sz="2400" b="0" i="0" dirty="0">
+                <a:solidFill>
+                  <a:srgbClr val="24292E"/>
+                </a:solidFill>
+                <a:effectLst/>
+                <a:latin typeface="-apple-system"/>
+              </a:rPr>
+              <a:t>그래프에서는 시각화 편의상 알파를 </a:t>
+            </a:r>
+            <a:r>
+              <a:rPr lang="en-US" altLang="ko-KR" sz="2400" b="0" i="0" dirty="0">
+                <a:solidFill>
+                  <a:srgbClr val="24292E"/>
+                </a:solidFill>
+                <a:effectLst/>
+                <a:latin typeface="-apple-system"/>
+              </a:rPr>
+              <a:t>0.1</a:t>
+            </a:r>
+            <a:r>
+              <a:rPr lang="ko-KR" altLang="en-US" sz="2400" b="0" i="0" dirty="0">
+                <a:solidFill>
+                  <a:srgbClr val="24292E"/>
+                </a:solidFill>
+                <a:effectLst/>
+                <a:latin typeface="-apple-system"/>
+              </a:rPr>
+              <a:t>로 설정</a:t>
+            </a:r>
+            <a:r>
+              <a:rPr lang="en-US" altLang="ko-KR" sz="2400" b="0" i="0" dirty="0">
+                <a:solidFill>
+                  <a:srgbClr val="24292E"/>
+                </a:solidFill>
+                <a:effectLst/>
+                <a:latin typeface="-apple-system"/>
+              </a:rPr>
+              <a:t>)</a:t>
+            </a:r>
+            <a:endParaRPr lang="en-US" altLang="ko-KR" sz="2400" dirty="0"/>
+          </a:p>
+        </p:txBody>
+      </p:sp>
       <p:pic>
         <p:nvPicPr>
-          <p:cNvPr id="4" name="Picture 2" descr="피드 포워드 신경망">
+          <p:cNvPr id="2050" name="Picture 2" descr="Leaky ReLU">
             <a:extLst>
               <a:ext uri="{FF2B5EF4-FFF2-40B4-BE49-F238E27FC236}">
-                <a16:creationId xmlns:a16="http://schemas.microsoft.com/office/drawing/2014/main" id="{28E94F85-0661-4A34-A525-1BD11BB3C422}"/>
+                <a16:creationId xmlns:a16="http://schemas.microsoft.com/office/drawing/2014/main" id="{8B7F24F5-BDD6-4977-886B-C323917556A3}"/>
               </a:ext>
             </a:extLst>
           </p:cNvPr>
@@ -6946,8 +8612,8 @@
         </p:blipFill>
         <p:spPr bwMode="auto">
           <a:xfrm>
-            <a:off x="842731" y="1798655"/>
-            <a:ext cx="5253267" cy="4105330"/>
+            <a:off x="2002971" y="1598385"/>
+            <a:ext cx="6995886" cy="2959100"/>
           </a:xfrm>
           <a:prstGeom prst="rect">
             <a:avLst/>
@@ -6964,130 +8630,10 @@
           </a:extLst>
         </p:spPr>
       </p:pic>
-      <p:sp>
-        <p:nvSpPr>
-          <p:cNvPr id="10" name="TextBox 9">
-            <a:extLst>
-              <a:ext uri="{FF2B5EF4-FFF2-40B4-BE49-F238E27FC236}">
-                <a16:creationId xmlns:a16="http://schemas.microsoft.com/office/drawing/2014/main" id="{7653C085-42B5-4047-8EAD-EF04F940EECA}"/>
-              </a:ext>
-            </a:extLst>
-          </p:cNvPr>
-          <p:cNvSpPr txBox="1"/>
-          <p:nvPr/>
-        </p:nvSpPr>
-        <p:spPr>
-          <a:xfrm>
-            <a:off x="3245478" y="681828"/>
-            <a:ext cx="5701041" cy="584775"/>
-          </a:xfrm>
-          <a:prstGeom prst="rect">
-            <a:avLst/>
-          </a:prstGeom>
-          <a:noFill/>
-        </p:spPr>
-        <p:txBody>
-          <a:bodyPr wrap="square" rtlCol="0">
-            <a:spAutoFit/>
-          </a:bodyPr>
-          <a:lstStyle/>
-          <a:p>
-            <a:r>
-              <a:rPr lang="en-US" altLang="ko-KR" sz="3200" b="1" i="0" dirty="0">
-                <a:solidFill>
-                  <a:srgbClr val="555555"/>
-                </a:solidFill>
-                <a:effectLst/>
-                <a:latin typeface="Lato"/>
-              </a:rPr>
-              <a:t>Deep Feedforward Networks</a:t>
-            </a:r>
-            <a:endParaRPr lang="en-US" altLang="ko-KR" sz="3200" b="1" dirty="0"/>
-          </a:p>
-        </p:txBody>
-      </p:sp>
-      <p:pic>
-        <p:nvPicPr>
-          <p:cNvPr id="11" name="그림 10">
-            <a:extLst>
-              <a:ext uri="{FF2B5EF4-FFF2-40B4-BE49-F238E27FC236}">
-                <a16:creationId xmlns:a16="http://schemas.microsoft.com/office/drawing/2014/main" id="{DA9C5898-EC79-42D7-9C79-16EBCC813DE9}"/>
-              </a:ext>
-            </a:extLst>
-          </p:cNvPr>
-          <p:cNvPicPr>
-            <a:picLocks noChangeAspect="1"/>
-          </p:cNvPicPr>
-          <p:nvPr/>
-        </p:nvPicPr>
-        <p:blipFill>
-          <a:blip r:embed="rId3">
-            <a:extLst>
-              <a:ext uri="{28A0092B-C50C-407E-A947-70E740481C1C}">
-                <a14:useLocalDpi xmlns:a14="http://schemas.microsoft.com/office/drawing/2010/main" val="0"/>
-              </a:ext>
-            </a:extLst>
-          </a:blip>
-          <a:stretch>
-            <a:fillRect/>
-          </a:stretch>
-        </p:blipFill>
-        <p:spPr>
-          <a:xfrm>
-            <a:off x="5697792" y="2878857"/>
-            <a:ext cx="1404710" cy="1390830"/>
-          </a:xfrm>
-          <a:prstGeom prst="rect">
-            <a:avLst/>
-          </a:prstGeom>
-        </p:spPr>
-      </p:pic>
-      <p:sp>
-        <p:nvSpPr>
-          <p:cNvPr id="13" name="TextBox 12">
-            <a:extLst>
-              <a:ext uri="{FF2B5EF4-FFF2-40B4-BE49-F238E27FC236}">
-                <a16:creationId xmlns:a16="http://schemas.microsoft.com/office/drawing/2014/main" id="{181D537A-BB81-4F2C-A9C6-B6A53E465758}"/>
-              </a:ext>
-            </a:extLst>
-          </p:cNvPr>
-          <p:cNvSpPr txBox="1"/>
-          <p:nvPr/>
-        </p:nvSpPr>
-        <p:spPr>
-          <a:xfrm>
-            <a:off x="7770326" y="3092152"/>
-            <a:ext cx="4036143" cy="1077218"/>
-          </a:xfrm>
-          <a:prstGeom prst="rect">
-            <a:avLst/>
-          </a:prstGeom>
-          <a:noFill/>
-        </p:spPr>
-        <p:txBody>
-          <a:bodyPr wrap="square" rtlCol="0">
-            <a:spAutoFit/>
-          </a:bodyPr>
-          <a:lstStyle/>
-          <a:p>
-            <a:r>
-              <a:rPr lang="en-US" altLang="ko-KR" sz="3200" b="1" i="0" dirty="0">
-                <a:solidFill>
-                  <a:srgbClr val="555555"/>
-                </a:solidFill>
-                <a:effectLst/>
-                <a:latin typeface="Lato"/>
-              </a:rPr>
-              <a:t>Multi Layer Perceptron</a:t>
-            </a:r>
-            <a:endParaRPr lang="en-US" altLang="ko-KR" sz="3200" b="1" dirty="0"/>
-          </a:p>
-        </p:txBody>
-      </p:sp>
     </p:spTree>
     <p:extLst>
       <p:ext uri="{BB962C8B-B14F-4D97-AF65-F5344CB8AC3E}">
-        <p14:creationId xmlns:p14="http://schemas.microsoft.com/office/powerpoint/2010/main" val="368054073"/>
+        <p14:creationId xmlns:p14="http://schemas.microsoft.com/office/powerpoint/2010/main" val="3489428397"/>
       </p:ext>
     </p:extLst>
   </p:cSld>
@@ -7116,10 +8662,10 @@
       </p:grpSpPr>
       <p:sp>
         <p:nvSpPr>
-          <p:cNvPr id="3" name="TextBox 2">
+          <p:cNvPr id="10" name="TextBox 9">
             <a:extLst>
               <a:ext uri="{FF2B5EF4-FFF2-40B4-BE49-F238E27FC236}">
-                <a16:creationId xmlns:a16="http://schemas.microsoft.com/office/drawing/2014/main" id="{CFA50A07-D663-4E9C-B05C-0E925C63CB0D}"/>
+                <a16:creationId xmlns:a16="http://schemas.microsoft.com/office/drawing/2014/main" id="{7653C085-42B5-4047-8EAD-EF04F940EECA}"/>
               </a:ext>
             </a:extLst>
           </p:cNvPr>
@@ -7128,8 +8674,8 @@
         </p:nvSpPr>
         <p:spPr>
           <a:xfrm>
-            <a:off x="4449143" y="670867"/>
-            <a:ext cx="2633376" cy="584775"/>
+            <a:off x="4901867" y="725861"/>
+            <a:ext cx="1472875" cy="584775"/>
           </a:xfrm>
           <a:prstGeom prst="rect">
             <a:avLst/>
@@ -7143,25 +8689,158 @@
           <a:lstStyle/>
           <a:p>
             <a:r>
-              <a:rPr lang="en-US" altLang="ko-KR" sz="3200" b="1" i="0" dirty="0">
+              <a:rPr lang="en-US" altLang="ko-KR" sz="3200" b="1" dirty="0" err="1">
                 <a:solidFill>
                   <a:srgbClr val="555555"/>
                 </a:solidFill>
-                <a:effectLst/>
                 <a:latin typeface="Lato"/>
               </a:rPr>
-              <a:t>feedforward</a:t>
+              <a:t>PReLU</a:t>
             </a:r>
             <a:endParaRPr lang="en-US" altLang="ko-KR" sz="3200" b="1" dirty="0"/>
+          </a:p>
+        </p:txBody>
+      </p:sp>
+      <p:sp>
+        <p:nvSpPr>
+          <p:cNvPr id="6" name="TextBox 5">
+            <a:extLst>
+              <a:ext uri="{FF2B5EF4-FFF2-40B4-BE49-F238E27FC236}">
+                <a16:creationId xmlns:a16="http://schemas.microsoft.com/office/drawing/2014/main" id="{FAEC736F-7E10-46C6-B1FB-F3124A9482FF}"/>
+              </a:ext>
+            </a:extLst>
+          </p:cNvPr>
+          <p:cNvSpPr txBox="1"/>
+          <p:nvPr/>
+        </p:nvSpPr>
+        <p:spPr>
+          <a:xfrm>
+            <a:off x="1097597" y="4929638"/>
+            <a:ext cx="10554289" cy="1200329"/>
+          </a:xfrm>
+          <a:prstGeom prst="rect">
+            <a:avLst/>
+          </a:prstGeom>
+          <a:noFill/>
+        </p:spPr>
+        <p:txBody>
+          <a:bodyPr wrap="square" rtlCol="0">
+            <a:spAutoFit/>
+          </a:bodyPr>
+          <a:lstStyle/>
+          <a:p>
+            <a:r>
+              <a:rPr lang="en-US" altLang="ko-KR" sz="2400" b="0" i="0" dirty="0">
+                <a:solidFill>
+                  <a:srgbClr val="24292E"/>
+                </a:solidFill>
+                <a:effectLst/>
+                <a:latin typeface="-apple-system"/>
+              </a:rPr>
+              <a:t>- Leaky </a:t>
+            </a:r>
+            <a:r>
+              <a:rPr lang="en-US" altLang="ko-KR" sz="2400" b="0" i="0" dirty="0" err="1">
+                <a:solidFill>
+                  <a:srgbClr val="24292E"/>
+                </a:solidFill>
+                <a:effectLst/>
+                <a:latin typeface="-apple-system"/>
+              </a:rPr>
+              <a:t>ReLU</a:t>
+            </a:r>
+            <a:r>
+              <a:rPr lang="ko-KR" altLang="en-US" sz="2400" b="0" i="0" dirty="0">
+                <a:solidFill>
+                  <a:srgbClr val="24292E"/>
+                </a:solidFill>
+                <a:effectLst/>
+                <a:latin typeface="-apple-system"/>
+              </a:rPr>
+              <a:t>와 거의 유사한 형태를 보인다</a:t>
+            </a:r>
+            <a:r>
+              <a:rPr lang="en-US" altLang="ko-KR" sz="2400" b="0" i="0" dirty="0">
+                <a:solidFill>
+                  <a:srgbClr val="24292E"/>
+                </a:solidFill>
+                <a:effectLst/>
+                <a:latin typeface="-apple-system"/>
+              </a:rPr>
+              <a:t>.</a:t>
+            </a:r>
+          </a:p>
+          <a:p>
+            <a:r>
+              <a:rPr lang="en-US" altLang="ko-KR" sz="2400" b="0" i="0" dirty="0">
+                <a:solidFill>
+                  <a:srgbClr val="24292E"/>
+                </a:solidFill>
+                <a:effectLst/>
+                <a:latin typeface="-apple-system"/>
+              </a:rPr>
+              <a:t>- Leaky </a:t>
+            </a:r>
+            <a:r>
+              <a:rPr lang="en-US" altLang="ko-KR" sz="2400" b="0" i="0" dirty="0" err="1">
+                <a:solidFill>
+                  <a:srgbClr val="24292E"/>
+                </a:solidFill>
+                <a:effectLst/>
+                <a:latin typeface="-apple-system"/>
+              </a:rPr>
+              <a:t>ReLU</a:t>
+            </a:r>
+            <a:r>
+              <a:rPr lang="ko-KR" altLang="en-US" sz="2400" b="0" i="0" dirty="0">
+                <a:solidFill>
+                  <a:srgbClr val="24292E"/>
+                </a:solidFill>
+                <a:effectLst/>
+                <a:latin typeface="-apple-system"/>
+              </a:rPr>
+              <a:t>에서는 알파 값이 고정된 상수였던 반면에 </a:t>
+            </a:r>
+            <a:r>
+              <a:rPr lang="en-US" altLang="ko-KR" sz="2400" b="0" i="0" dirty="0" err="1">
+                <a:solidFill>
+                  <a:srgbClr val="24292E"/>
+                </a:solidFill>
+                <a:effectLst/>
+                <a:latin typeface="-apple-system"/>
+              </a:rPr>
+              <a:t>PReLU</a:t>
+            </a:r>
+            <a:r>
+              <a:rPr lang="ko-KR" altLang="en-US" sz="2400" b="0" i="0" dirty="0">
+                <a:solidFill>
+                  <a:srgbClr val="24292E"/>
+                </a:solidFill>
+                <a:effectLst/>
+                <a:latin typeface="-apple-system"/>
+              </a:rPr>
+              <a:t>에서는 학습이 가능한 파라미터로 설정된다</a:t>
+            </a:r>
+            <a:r>
+              <a:rPr lang="en-US" altLang="ko-KR" b="0" i="0" dirty="0">
+                <a:solidFill>
+                  <a:srgbClr val="24292E"/>
+                </a:solidFill>
+                <a:effectLst/>
+                <a:latin typeface="-apple-system"/>
+              </a:rPr>
+              <a:t>.</a:t>
+            </a:r>
+            <a:endParaRPr lang="en-US" altLang="ko-KR" dirty="0"/>
           </a:p>
         </p:txBody>
       </p:sp>
       <p:pic>
         <p:nvPicPr>
-          <p:cNvPr id="2" name="Picture 2" descr="인공신경망과 딥 러닝">
+          <p:cNvPr id="7" name="Picture 2" descr="PReLU">
             <a:extLst>
               <a:ext uri="{FF2B5EF4-FFF2-40B4-BE49-F238E27FC236}">
-                <a16:creationId xmlns:a16="http://schemas.microsoft.com/office/drawing/2014/main" id="{07564021-CB8D-4306-A17B-18F9C494C409}"/>
+                <a16:creationId xmlns:a16="http://schemas.microsoft.com/office/drawing/2014/main" id="{C72AE6ED-849B-4FA0-BC98-FFE6E536E931}"/>
               </a:ext>
             </a:extLst>
           </p:cNvPr>
@@ -7185,8 +8864,8 @@
         </p:blipFill>
         <p:spPr bwMode="auto">
           <a:xfrm>
-            <a:off x="2867025" y="1476672"/>
-            <a:ext cx="6457950" cy="4838700"/>
+            <a:off x="1944913" y="1470293"/>
+            <a:ext cx="7170057" cy="2958690"/>
           </a:xfrm>
           <a:prstGeom prst="rect">
             <a:avLst/>
@@ -7206,7 +8885,7 @@
     </p:spTree>
     <p:extLst>
       <p:ext uri="{BB962C8B-B14F-4D97-AF65-F5344CB8AC3E}">
-        <p14:creationId xmlns:p14="http://schemas.microsoft.com/office/powerpoint/2010/main" val="3225521302"/>
+        <p14:creationId xmlns:p14="http://schemas.microsoft.com/office/powerpoint/2010/main" val="3121708507"/>
       </p:ext>
     </p:extLst>
   </p:cSld>
@@ -7238,7 +8917,7 @@
           <p:cNvPr id="10" name="TextBox 9">
             <a:extLst>
               <a:ext uri="{FF2B5EF4-FFF2-40B4-BE49-F238E27FC236}">
-                <a16:creationId xmlns:a16="http://schemas.microsoft.com/office/drawing/2014/main" id="{7BFEDCF2-1E40-474A-BDD2-DC6522D357C1}"/>
+                <a16:creationId xmlns:a16="http://schemas.microsoft.com/office/drawing/2014/main" id="{7653C085-42B5-4047-8EAD-EF04F940EECA}"/>
               </a:ext>
             </a:extLst>
           </p:cNvPr>
@@ -7247,8 +8926,8 @@
         </p:nvSpPr>
         <p:spPr>
           <a:xfrm>
-            <a:off x="4655434" y="804882"/>
-            <a:ext cx="1941840" cy="584775"/>
+            <a:off x="4533731" y="728033"/>
+            <a:ext cx="1992419" cy="584775"/>
           </a:xfrm>
           <a:prstGeom prst="rect">
             <a:avLst/>
@@ -7262,14 +8941,13 @@
           <a:lstStyle/>
           <a:p>
             <a:r>
-              <a:rPr lang="en-US" altLang="ko-KR" sz="3200" b="1" i="0" dirty="0">
+              <a:rPr lang="en-US" altLang="ko-KR" sz="3200" b="1" dirty="0" err="1">
                 <a:solidFill>
                   <a:srgbClr val="555555"/>
                 </a:solidFill>
-                <a:effectLst/>
                 <a:latin typeface="Lato"/>
               </a:rPr>
-              <a:t>Network</a:t>
+              <a:t>Maxout</a:t>
             </a:r>
             <a:endParaRPr lang="en-US" altLang="ko-KR" sz="3200" b="1" dirty="0"/>
           </a:p>
@@ -7277,10 +8955,10 @@
       </p:sp>
       <p:sp>
         <p:nvSpPr>
-          <p:cNvPr id="14" name="TextBox 13">
+          <p:cNvPr id="6" name="TextBox 5">
             <a:extLst>
               <a:ext uri="{FF2B5EF4-FFF2-40B4-BE49-F238E27FC236}">
-                <a16:creationId xmlns:a16="http://schemas.microsoft.com/office/drawing/2014/main" id="{BAB408BF-4A15-43EB-B714-DA64E5133921}"/>
+                <a16:creationId xmlns:a16="http://schemas.microsoft.com/office/drawing/2014/main" id="{FAEC736F-7E10-46C6-B1FB-F3124A9482FF}"/>
               </a:ext>
             </a:extLst>
           </p:cNvPr>
@@ -7289,8 +8967,8 @@
         </p:nvSpPr>
         <p:spPr>
           <a:xfrm>
-            <a:off x="1116796" y="4001300"/>
-            <a:ext cx="4167208" cy="523220"/>
+            <a:off x="1097597" y="4929638"/>
+            <a:ext cx="10554289" cy="1569660"/>
           </a:xfrm>
           <a:prstGeom prst="rect">
             <a:avLst/>
@@ -7303,133 +8981,306 @@
           </a:bodyPr>
           <a:lstStyle/>
           <a:p>
-            <a:r>
-              <a:rPr lang="en-US" altLang="ko-KR" sz="2800" b="1" dirty="0">
-                <a:solidFill>
-                  <a:srgbClr val="555555"/>
-                </a:solidFill>
-                <a:latin typeface="Lato"/>
-              </a:rPr>
-              <a:t>Chain structures</a:t>
-            </a:r>
-            <a:endParaRPr lang="en-US" altLang="ko-KR" sz="2800" b="1" dirty="0"/>
-          </a:p>
-        </p:txBody>
-      </p:sp>
-      <p:sp>
-        <p:nvSpPr>
-          <p:cNvPr id="16" name="TextBox 15">
+            <a:pPr marL="342900" indent="-342900">
+              <a:buFontTx/>
+              <a:buChar char="-"/>
+            </a:pPr>
+            <a:r>
+              <a:rPr lang="en-US" altLang="ko-KR" sz="2400" b="0" i="0" dirty="0" err="1">
+                <a:solidFill>
+                  <a:srgbClr val="24292E"/>
+                </a:solidFill>
+                <a:effectLst/>
+                <a:latin typeface="-apple-system"/>
+              </a:rPr>
+              <a:t>ReLU</a:t>
+            </a:r>
+            <a:r>
+              <a:rPr lang="ko-KR" altLang="en-US" sz="2400" b="0" i="0" dirty="0">
+                <a:solidFill>
+                  <a:srgbClr val="24292E"/>
+                </a:solidFill>
+                <a:effectLst/>
+                <a:latin typeface="-apple-system"/>
+              </a:rPr>
+              <a:t>가 가지는 모든 장점을 가졌으며</a:t>
+            </a:r>
+            <a:r>
+              <a:rPr lang="en-US" altLang="ko-KR" sz="2400" b="0" i="0" dirty="0">
+                <a:solidFill>
+                  <a:srgbClr val="24292E"/>
+                </a:solidFill>
+                <a:effectLst/>
+                <a:latin typeface="-apple-system"/>
+              </a:rPr>
+              <a:t>, dying </a:t>
+            </a:r>
+            <a:r>
+              <a:rPr lang="en-US" altLang="ko-KR" sz="2400" b="0" i="0" dirty="0" err="1">
+                <a:solidFill>
+                  <a:srgbClr val="24292E"/>
+                </a:solidFill>
+                <a:effectLst/>
+                <a:latin typeface="-apple-system"/>
+              </a:rPr>
+              <a:t>ReLU</a:t>
+            </a:r>
+            <a:r>
+              <a:rPr lang="ko-KR" altLang="en-US" sz="2400" b="0" i="0" dirty="0">
+                <a:solidFill>
+                  <a:srgbClr val="24292E"/>
+                </a:solidFill>
+                <a:effectLst/>
+                <a:latin typeface="-apple-system"/>
+              </a:rPr>
+              <a:t>문제 또한 해결한다</a:t>
+            </a:r>
+            <a:r>
+              <a:rPr lang="en-US" altLang="ko-KR" sz="2400" b="0" i="0" dirty="0">
+                <a:solidFill>
+                  <a:srgbClr val="24292E"/>
+                </a:solidFill>
+                <a:effectLst/>
+                <a:latin typeface="-apple-system"/>
+              </a:rPr>
+              <a:t>.</a:t>
+            </a:r>
+          </a:p>
+          <a:p>
+            <a:pPr marL="342900" indent="-342900">
+              <a:buFontTx/>
+              <a:buChar char="-"/>
+            </a:pPr>
+            <a:r>
+              <a:rPr lang="ko-KR" altLang="en-US" sz="2400" b="0" i="0" dirty="0" err="1">
+                <a:solidFill>
+                  <a:srgbClr val="24292E"/>
+                </a:solidFill>
+                <a:effectLst/>
+                <a:latin typeface="-apple-system"/>
+              </a:rPr>
+              <a:t>계산량이</a:t>
+            </a:r>
+            <a:r>
+              <a:rPr lang="ko-KR" altLang="en-US" sz="2400" b="0" i="0" dirty="0">
+                <a:solidFill>
+                  <a:srgbClr val="24292E"/>
+                </a:solidFill>
+                <a:effectLst/>
+                <a:latin typeface="-apple-system"/>
+              </a:rPr>
+              <a:t> 복잡하다는 단점이 있다</a:t>
+            </a:r>
+            <a:r>
+              <a:rPr lang="en-US" altLang="ko-KR" sz="2400" b="0" i="0" dirty="0">
+                <a:solidFill>
+                  <a:srgbClr val="24292E"/>
+                </a:solidFill>
+                <a:effectLst/>
+                <a:latin typeface="-apple-system"/>
+              </a:rPr>
+              <a:t>. </a:t>
+            </a:r>
+          </a:p>
+          <a:p>
+            <a:pPr marL="342900" indent="-342900">
+              <a:buFontTx/>
+              <a:buChar char="-"/>
+            </a:pPr>
+            <a:r>
+              <a:rPr lang="en-US" altLang="ko-KR" sz="2400" b="0" i="0" dirty="0">
+                <a:solidFill>
+                  <a:srgbClr val="24292E"/>
+                </a:solidFill>
+                <a:effectLst/>
+                <a:latin typeface="-apple-system"/>
+              </a:rPr>
+              <a:t>d</a:t>
+            </a:r>
+            <a:r>
+              <a:rPr lang="ko-KR" altLang="en-US" sz="2400" b="0" i="0" dirty="0">
+                <a:solidFill>
+                  <a:srgbClr val="24292E"/>
+                </a:solidFill>
+                <a:effectLst/>
+                <a:latin typeface="-apple-system"/>
+              </a:rPr>
+              <a:t>차원의 </a:t>
+            </a:r>
+            <a:r>
+              <a:rPr lang="en-US" altLang="ko-KR" sz="2400" b="0" i="0" dirty="0">
+                <a:solidFill>
+                  <a:srgbClr val="24292E"/>
+                </a:solidFill>
+                <a:effectLst/>
+                <a:latin typeface="-apple-system"/>
+              </a:rPr>
+              <a:t>input feature</a:t>
+            </a:r>
+            <a:r>
+              <a:rPr lang="ko-KR" altLang="en-US" sz="2400" b="0" i="0" dirty="0">
+                <a:solidFill>
+                  <a:srgbClr val="24292E"/>
+                </a:solidFill>
+                <a:effectLst/>
+                <a:latin typeface="-apple-system"/>
+              </a:rPr>
+              <a:t>에서 </a:t>
+            </a:r>
+            <a:r>
+              <a:rPr lang="en-US" altLang="ko-KR" sz="2400" b="0" i="0" dirty="0">
+                <a:solidFill>
+                  <a:srgbClr val="24292E"/>
+                </a:solidFill>
+                <a:effectLst/>
+                <a:latin typeface="-apple-system"/>
+              </a:rPr>
+              <a:t>m</a:t>
+            </a:r>
+            <a:r>
+              <a:rPr lang="ko-KR" altLang="en-US" sz="2400" b="0" i="0" dirty="0">
+                <a:solidFill>
+                  <a:srgbClr val="24292E"/>
+                </a:solidFill>
+                <a:effectLst/>
+                <a:latin typeface="-apple-system"/>
+              </a:rPr>
+              <a:t>차원의 </a:t>
+            </a:r>
+            <a:r>
+              <a:rPr lang="en-US" altLang="ko-KR" sz="2400" b="0" i="0" dirty="0">
+                <a:solidFill>
+                  <a:srgbClr val="24292E"/>
+                </a:solidFill>
+                <a:effectLst/>
+                <a:latin typeface="-apple-system"/>
+              </a:rPr>
+              <a:t>output</a:t>
+            </a:r>
+            <a:r>
+              <a:rPr lang="ko-KR" altLang="en-US" sz="2400" b="0" i="0" dirty="0">
+                <a:solidFill>
+                  <a:srgbClr val="24292E"/>
+                </a:solidFill>
+                <a:effectLst/>
+                <a:latin typeface="-apple-system"/>
+              </a:rPr>
+              <a:t>을 낼 때</a:t>
+            </a:r>
+            <a:r>
+              <a:rPr lang="en-US" altLang="ko-KR" sz="2400" b="0" i="0" dirty="0">
+                <a:solidFill>
+                  <a:srgbClr val="24292E"/>
+                </a:solidFill>
+                <a:effectLst/>
+                <a:latin typeface="-apple-system"/>
+              </a:rPr>
+              <a:t>, k</a:t>
+            </a:r>
+            <a:r>
+              <a:rPr lang="ko-KR" altLang="en-US" sz="2400" b="0" i="0" dirty="0">
+                <a:solidFill>
+                  <a:srgbClr val="24292E"/>
+                </a:solidFill>
+                <a:effectLst/>
+                <a:latin typeface="-apple-system"/>
+              </a:rPr>
+              <a:t>개의 </a:t>
+            </a:r>
+            <a:r>
+              <a:rPr lang="en-US" altLang="ko-KR" sz="2400" b="0" i="0" dirty="0">
+                <a:solidFill>
+                  <a:srgbClr val="24292E"/>
+                </a:solidFill>
+                <a:effectLst/>
+                <a:latin typeface="-apple-system"/>
+              </a:rPr>
+              <a:t>affine transform </a:t>
+            </a:r>
+            <a:r>
+              <a:rPr lang="ko-KR" altLang="en-US" sz="2400" b="0" i="0" dirty="0" err="1">
+                <a:solidFill>
+                  <a:srgbClr val="24292E"/>
+                </a:solidFill>
+                <a:effectLst/>
+                <a:latin typeface="-apple-system"/>
+              </a:rPr>
+              <a:t>결과중</a:t>
+            </a:r>
+            <a:r>
+              <a:rPr lang="ko-KR" altLang="en-US" sz="2400" b="0" i="0" dirty="0">
+                <a:solidFill>
+                  <a:srgbClr val="24292E"/>
+                </a:solidFill>
+                <a:effectLst/>
+                <a:latin typeface="-apple-system"/>
+              </a:rPr>
+              <a:t> 가장 큰 값을 하나 뽑아내는 것이다</a:t>
+            </a:r>
+            <a:r>
+              <a:rPr lang="en-US" altLang="ko-KR" sz="2400" b="0" i="0" dirty="0">
+                <a:solidFill>
+                  <a:srgbClr val="24292E"/>
+                </a:solidFill>
+                <a:effectLst/>
+                <a:latin typeface="-apple-system"/>
+              </a:rPr>
+              <a:t>. </a:t>
+            </a:r>
+          </a:p>
+        </p:txBody>
+      </p:sp>
+      <p:pic>
+        <p:nvPicPr>
+          <p:cNvPr id="4098" name="Picture 2" descr="maxpooling1">
             <a:extLst>
               <a:ext uri="{FF2B5EF4-FFF2-40B4-BE49-F238E27FC236}">
-                <a16:creationId xmlns:a16="http://schemas.microsoft.com/office/drawing/2014/main" id="{35A99145-2DD7-402A-A6BB-5CE2C164BB3F}"/>
+                <a16:creationId xmlns:a16="http://schemas.microsoft.com/office/drawing/2014/main" id="{37B70935-2481-4E53-B71E-D574E78A3A49}"/>
               </a:ext>
             </a:extLst>
           </p:cNvPr>
-          <p:cNvSpPr txBox="1"/>
+          <p:cNvPicPr>
+            <a:picLocks noChangeAspect="1" noChangeArrowheads="1"/>
+          </p:cNvPicPr>
           <p:nvPr/>
-        </p:nvSpPr>
-        <p:spPr>
+        </p:nvPicPr>
+        <p:blipFill>
+          <a:blip r:embed="rId2">
+            <a:extLst>
+              <a:ext uri="{28A0092B-C50C-407E-A947-70E740481C1C}">
+                <a14:useLocalDpi xmlns:a14="http://schemas.microsoft.com/office/drawing/2010/main" val="0"/>
+              </a:ext>
+            </a:extLst>
+          </a:blip>
+          <a:srcRect/>
+          <a:stretch>
+            <a:fillRect/>
+          </a:stretch>
+        </p:blipFill>
+        <p:spPr bwMode="auto">
           <a:xfrm>
-            <a:off x="1116796" y="5101757"/>
-            <a:ext cx="10332034" cy="523220"/>
+            <a:off x="1962378" y="1664607"/>
+            <a:ext cx="7675108" cy="2996024"/>
           </a:xfrm>
           <a:prstGeom prst="rect">
             <a:avLst/>
           </a:prstGeom>
           <a:noFill/>
-        </p:spPr>
-        <p:txBody>
-          <a:bodyPr wrap="square" rtlCol="0">
-            <a:spAutoFit/>
-          </a:bodyPr>
-          <a:lstStyle/>
-          <a:p>
-            <a:r>
-              <a:rPr lang="ko-KR" altLang="en-US" sz="2800" b="1" dirty="0">
-                <a:solidFill>
-                  <a:srgbClr val="555555"/>
-                </a:solidFill>
-                <a:latin typeface="Lato"/>
-              </a:rPr>
-              <a:t>함수들의 레이어 개수 </a:t>
-            </a:r>
-            <a:r>
-              <a:rPr lang="en-US" altLang="ko-KR" sz="2800" b="1" dirty="0">
-                <a:solidFill>
-                  <a:srgbClr val="555555"/>
-                </a:solidFill>
-                <a:latin typeface="Lato"/>
-              </a:rPr>
-              <a:t>= dept                    Deep Learning                   </a:t>
-            </a:r>
-            <a:endParaRPr lang="en-US" altLang="ko-KR" sz="2800" b="1" dirty="0"/>
-          </a:p>
-        </p:txBody>
-      </p:sp>
-      <p:pic>
-        <p:nvPicPr>
-          <p:cNvPr id="18" name="그림 17">
-            <a:extLst>
-              <a:ext uri="{FF2B5EF4-FFF2-40B4-BE49-F238E27FC236}">
-                <a16:creationId xmlns:a16="http://schemas.microsoft.com/office/drawing/2014/main" id="{7DD73C87-8A6F-4F11-894F-56240CE6C8DD}"/>
-              </a:ext>
-            </a:extLst>
-          </p:cNvPr>
-          <p:cNvPicPr>
-            <a:picLocks noChangeAspect="1"/>
-          </p:cNvPicPr>
-          <p:nvPr/>
-        </p:nvPicPr>
-        <p:blipFill>
-          <a:blip r:embed="rId2"/>
-          <a:stretch>
-            <a:fillRect/>
-          </a:stretch>
-        </p:blipFill>
-        <p:spPr>
-          <a:xfrm rot="12788224">
-            <a:off x="6265660" y="4770436"/>
-            <a:ext cx="1252538" cy="1185863"/>
-          </a:xfrm>
-          <a:prstGeom prst="rect">
-            <a:avLst/>
-          </a:prstGeom>
-        </p:spPr>
-      </p:pic>
-      <p:pic>
-        <p:nvPicPr>
-          <p:cNvPr id="3" name="그림 2">
-            <a:extLst>
-              <a:ext uri="{FF2B5EF4-FFF2-40B4-BE49-F238E27FC236}">
-                <a16:creationId xmlns:a16="http://schemas.microsoft.com/office/drawing/2014/main" id="{D701A79F-948E-4326-BEAD-DD496BCC5DBB}"/>
-              </a:ext>
-            </a:extLst>
-          </p:cNvPr>
-          <p:cNvPicPr>
-            <a:picLocks noChangeAspect="1"/>
-          </p:cNvPicPr>
-          <p:nvPr/>
-        </p:nvPicPr>
-        <p:blipFill>
-          <a:blip r:embed="rId3"/>
-          <a:stretch>
-            <a:fillRect/>
-          </a:stretch>
-        </p:blipFill>
-        <p:spPr>
-          <a:xfrm>
-            <a:off x="2213868" y="2317402"/>
-            <a:ext cx="6824972" cy="811541"/>
-          </a:xfrm>
-          <a:prstGeom prst="rect">
-            <a:avLst/>
-          </a:prstGeom>
+          <a:extLst>
+            <a:ext uri="{909E8E84-426E-40DD-AFC4-6F175D3DCCD1}">
+              <a14:hiddenFill xmlns:a14="http://schemas.microsoft.com/office/drawing/2010/main">
+                <a:solidFill>
+                  <a:srgbClr val="FFFFFF"/>
+                </a:solidFill>
+              </a14:hiddenFill>
+            </a:ext>
+          </a:extLst>
         </p:spPr>
       </p:pic>
     </p:spTree>
     <p:extLst>
       <p:ext uri="{BB962C8B-B14F-4D97-AF65-F5344CB8AC3E}">
-        <p14:creationId xmlns:p14="http://schemas.microsoft.com/office/powerpoint/2010/main" val="2020863164"/>
+        <p14:creationId xmlns:p14="http://schemas.microsoft.com/office/powerpoint/2010/main" val="1147314430"/>
       </p:ext>
     </p:extLst>
   </p:cSld>
@@ -7458,82 +9309,10 @@
       </p:grpSpPr>
       <p:pic>
         <p:nvPicPr>
-          <p:cNvPr id="16" name="그림 15">
+          <p:cNvPr id="5122" name="Picture 2" descr="maxpooling2">
             <a:extLst>
               <a:ext uri="{FF2B5EF4-FFF2-40B4-BE49-F238E27FC236}">
-                <a16:creationId xmlns:a16="http://schemas.microsoft.com/office/drawing/2014/main" id="{E3AB9EE8-34BF-4FDD-8EE7-3D7B86C2BF03}"/>
-              </a:ext>
-            </a:extLst>
-          </p:cNvPr>
-          <p:cNvPicPr>
-            <a:picLocks noChangeAspect="1"/>
-          </p:cNvPicPr>
-          <p:nvPr/>
-        </p:nvPicPr>
-        <p:blipFill>
-          <a:blip r:embed="rId2"/>
-          <a:stretch>
-            <a:fillRect/>
-          </a:stretch>
-        </p:blipFill>
-        <p:spPr>
-          <a:xfrm rot="12788224">
-            <a:off x="1962577" y="5646774"/>
-            <a:ext cx="1252538" cy="1185863"/>
-          </a:xfrm>
-          <a:prstGeom prst="rect">
-            <a:avLst/>
-          </a:prstGeom>
-        </p:spPr>
-      </p:pic>
-      <p:sp>
-        <p:nvSpPr>
-          <p:cNvPr id="10" name="TextBox 9">
-            <a:extLst>
-              <a:ext uri="{FF2B5EF4-FFF2-40B4-BE49-F238E27FC236}">
-                <a16:creationId xmlns:a16="http://schemas.microsoft.com/office/drawing/2014/main" id="{2C7502AB-BC1A-49FD-A557-4CF5CBB71CED}"/>
-              </a:ext>
-            </a:extLst>
-          </p:cNvPr>
-          <p:cNvSpPr txBox="1"/>
-          <p:nvPr/>
-        </p:nvSpPr>
-        <p:spPr>
-          <a:xfrm>
-            <a:off x="5120987" y="718364"/>
-            <a:ext cx="1878101" cy="584775"/>
-          </a:xfrm>
-          <a:prstGeom prst="rect">
-            <a:avLst/>
-          </a:prstGeom>
-          <a:noFill/>
-        </p:spPr>
-        <p:txBody>
-          <a:bodyPr wrap="square" rtlCol="0">
-            <a:spAutoFit/>
-          </a:bodyPr>
-          <a:lstStyle/>
-          <a:p>
-            <a:r>
-              <a:rPr lang="en-US" altLang="ko-KR" sz="3200" b="1" i="0" dirty="0">
-                <a:solidFill>
-                  <a:srgbClr val="555555"/>
-                </a:solidFill>
-                <a:effectLst/>
-                <a:latin typeface="Lato"/>
-              </a:rPr>
-              <a:t>Neural</a:t>
-            </a:r>
-            <a:endParaRPr lang="en-US" altLang="ko-KR" sz="3200" b="1" dirty="0"/>
-          </a:p>
-        </p:txBody>
-      </p:sp>
-      <p:pic>
-        <p:nvPicPr>
-          <p:cNvPr id="3" name="Picture 2" descr="피드포워드 신경망 언어 모델">
-            <a:extLst>
-              <a:ext uri="{FF2B5EF4-FFF2-40B4-BE49-F238E27FC236}">
-                <a16:creationId xmlns:a16="http://schemas.microsoft.com/office/drawing/2014/main" id="{6603A5DC-4341-4F6F-A95A-B988D63875FC}"/>
+                <a16:creationId xmlns:a16="http://schemas.microsoft.com/office/drawing/2014/main" id="{273895E0-7329-4280-88E2-EF49CA50C524}"/>
               </a:ext>
             </a:extLst>
           </p:cNvPr>
@@ -7543,7 +9322,7 @@
           <p:nvPr/>
         </p:nvPicPr>
         <p:blipFill>
-          <a:blip r:embed="rId3">
+          <a:blip r:embed="rId2">
             <a:extLst>
               <a:ext uri="{28A0092B-C50C-407E-A947-70E740481C1C}">
                 <a14:useLocalDpi xmlns:a14="http://schemas.microsoft.com/office/drawing/2010/main" val="0"/>
@@ -7557,8 +9336,8 @@
         </p:blipFill>
         <p:spPr bwMode="auto">
           <a:xfrm>
-            <a:off x="2449174" y="1595527"/>
-            <a:ext cx="7221725" cy="3097249"/>
+            <a:off x="2197328" y="1928362"/>
+            <a:ext cx="7425644" cy="2225222"/>
           </a:xfrm>
           <a:prstGeom prst="rect">
             <a:avLst/>
@@ -7577,10 +9356,10 @@
       </p:pic>
       <p:sp>
         <p:nvSpPr>
-          <p:cNvPr id="13" name="TextBox 12">
+          <p:cNvPr id="10" name="TextBox 9">
             <a:extLst>
               <a:ext uri="{FF2B5EF4-FFF2-40B4-BE49-F238E27FC236}">
-                <a16:creationId xmlns:a16="http://schemas.microsoft.com/office/drawing/2014/main" id="{CC9D62F6-E46C-4D71-8F6B-C7053C5938CE}"/>
+                <a16:creationId xmlns:a16="http://schemas.microsoft.com/office/drawing/2014/main" id="{7653C085-42B5-4047-8EAD-EF04F940EECA}"/>
               </a:ext>
             </a:extLst>
           </p:cNvPr>
@@ -7589,8 +9368,8 @@
         </p:nvSpPr>
         <p:spPr>
           <a:xfrm>
-            <a:off x="1740309" y="5270013"/>
-            <a:ext cx="8170608" cy="523220"/>
+            <a:off x="4533731" y="728033"/>
+            <a:ext cx="1992419" cy="584775"/>
           </a:xfrm>
           <a:prstGeom prst="rect">
             <a:avLst/>
@@ -7604,125 +9383,24 @@
           <a:lstStyle/>
           <a:p>
             <a:r>
-              <a:rPr lang="ko-KR" altLang="en-US" sz="2800" b="1" dirty="0">
+              <a:rPr lang="en-US" altLang="ko-KR" sz="3200" b="1" dirty="0" err="1">
                 <a:solidFill>
                   <a:srgbClr val="555555"/>
                 </a:solidFill>
                 <a:latin typeface="Lato"/>
               </a:rPr>
-              <a:t>중간</a:t>
-            </a:r>
-            <a:r>
-              <a:rPr lang="en-US" altLang="ko-KR" sz="2800" b="1" dirty="0">
-                <a:solidFill>
-                  <a:srgbClr val="555555"/>
-                </a:solidFill>
-                <a:latin typeface="Lato"/>
-              </a:rPr>
-              <a:t> </a:t>
-            </a:r>
-            <a:r>
-              <a:rPr lang="ko-KR" altLang="en-US" sz="2800" b="1" dirty="0">
-                <a:solidFill>
-                  <a:srgbClr val="555555"/>
-                </a:solidFill>
-                <a:latin typeface="Lato"/>
-              </a:rPr>
-              <a:t>레이어들의 아웃풋                            </a:t>
-            </a:r>
-            <a:r>
-              <a:rPr lang="ko-KR" altLang="en-US" sz="2800" b="1" dirty="0" err="1">
-                <a:solidFill>
-                  <a:srgbClr val="555555"/>
-                </a:solidFill>
-                <a:latin typeface="Lato"/>
-              </a:rPr>
-              <a:t>직접쓰임</a:t>
-            </a:r>
-            <a:r>
-              <a:rPr lang="en-US" altLang="ko-KR" sz="2800" b="1" dirty="0">
-                <a:solidFill>
-                  <a:srgbClr val="555555"/>
-                </a:solidFill>
-                <a:latin typeface="Lato"/>
-              </a:rPr>
-              <a:t>                   </a:t>
-            </a:r>
-            <a:endParaRPr lang="en-US" altLang="ko-KR" sz="2800" b="1" dirty="0"/>
-          </a:p>
-        </p:txBody>
-      </p:sp>
-      <p:pic>
-        <p:nvPicPr>
-          <p:cNvPr id="14" name="그림 13">
+              <a:t>Maxout</a:t>
+            </a:r>
+            <a:endParaRPr lang="en-US" altLang="ko-KR" sz="3200" b="1" dirty="0"/>
+          </a:p>
+        </p:txBody>
+      </p:sp>
+      <p:sp>
+        <p:nvSpPr>
+          <p:cNvPr id="6" name="TextBox 5">
             <a:extLst>
               <a:ext uri="{FF2B5EF4-FFF2-40B4-BE49-F238E27FC236}">
-                <a16:creationId xmlns:a16="http://schemas.microsoft.com/office/drawing/2014/main" id="{EE85B656-B014-498F-828B-BBE56A7419DA}"/>
-              </a:ext>
-            </a:extLst>
-          </p:cNvPr>
-          <p:cNvPicPr>
-            <a:picLocks noChangeAspect="1"/>
-          </p:cNvPicPr>
-          <p:nvPr/>
-        </p:nvPicPr>
-        <p:blipFill>
-          <a:blip r:embed="rId2"/>
-          <a:stretch>
-            <a:fillRect/>
-          </a:stretch>
-        </p:blipFill>
-        <p:spPr>
-          <a:xfrm rot="12788224">
-            <a:off x="6210115" y="4938691"/>
-            <a:ext cx="1252538" cy="1185863"/>
-          </a:xfrm>
-          <a:prstGeom prst="rect">
-            <a:avLst/>
-          </a:prstGeom>
-        </p:spPr>
-      </p:pic>
-      <p:pic>
-        <p:nvPicPr>
-          <p:cNvPr id="15" name="그림 14">
-            <a:extLst>
-              <a:ext uri="{FF2B5EF4-FFF2-40B4-BE49-F238E27FC236}">
-                <a16:creationId xmlns:a16="http://schemas.microsoft.com/office/drawing/2014/main" id="{A099875B-FC4E-446E-A1D5-9A17EAD05D39}"/>
-              </a:ext>
-            </a:extLst>
-          </p:cNvPr>
-          <p:cNvPicPr>
-            <a:picLocks noChangeAspect="1"/>
-          </p:cNvPicPr>
-          <p:nvPr/>
-        </p:nvPicPr>
-        <p:blipFill rotWithShape="1">
-          <a:blip r:embed="rId4">
-            <a:extLst>
-              <a:ext uri="{28A0092B-C50C-407E-A947-70E740481C1C}">
-                <a14:useLocalDpi xmlns:a14="http://schemas.microsoft.com/office/drawing/2010/main" val="0"/>
-              </a:ext>
-            </a:extLst>
-          </a:blip>
-          <a:srcRect l="21054" t="12473" r="22281" b="47360"/>
-          <a:stretch/>
-        </p:blipFill>
-        <p:spPr>
-          <a:xfrm>
-            <a:off x="8612339" y="5048809"/>
-            <a:ext cx="1065025" cy="965626"/>
-          </a:xfrm>
-          <a:prstGeom prst="rect">
-            <a:avLst/>
-          </a:prstGeom>
-        </p:spPr>
-      </p:pic>
-      <p:sp>
-        <p:nvSpPr>
-          <p:cNvPr id="18" name="TextBox 17">
-            <a:extLst>
-              <a:ext uri="{FF2B5EF4-FFF2-40B4-BE49-F238E27FC236}">
-                <a16:creationId xmlns:a16="http://schemas.microsoft.com/office/drawing/2014/main" id="{3AFC470C-6D60-4D6C-B132-85617ECE3708}"/>
+                <a16:creationId xmlns:a16="http://schemas.microsoft.com/office/drawing/2014/main" id="{FAEC736F-7E10-46C6-B1FB-F3124A9482FF}"/>
               </a:ext>
             </a:extLst>
           </p:cNvPr>
@@ -7731,8 +9409,8 @@
         </p:nvSpPr>
         <p:spPr>
           <a:xfrm>
-            <a:off x="3876191" y="5947317"/>
-            <a:ext cx="3093400" cy="584775"/>
+            <a:off x="1097597" y="4929638"/>
+            <a:ext cx="10554289" cy="830997"/>
           </a:xfrm>
           <a:prstGeom prst="rect">
             <a:avLst/>
@@ -7745,23 +9423,166 @@
           </a:bodyPr>
           <a:lstStyle/>
           <a:p>
-            <a:r>
-              <a:rPr lang="en-US" altLang="ko-KR" sz="3200" b="1" dirty="0">
-                <a:solidFill>
-                  <a:srgbClr val="555555"/>
-                </a:solidFill>
-                <a:latin typeface="Lato"/>
-              </a:rPr>
-              <a:t>Hidden layer</a:t>
-            </a:r>
-            <a:endParaRPr lang="en-US" altLang="ko-KR" sz="3200" b="1" dirty="0"/>
+            <a:pPr marL="342900" indent="-342900">
+              <a:buFontTx/>
+              <a:buChar char="-"/>
+            </a:pPr>
+            <a:r>
+              <a:rPr lang="en-US" altLang="ko-KR" sz="2400" b="0" i="0" dirty="0">
+                <a:solidFill>
+                  <a:srgbClr val="24292E"/>
+                </a:solidFill>
+                <a:effectLst/>
+                <a:latin typeface="-apple-system"/>
+              </a:rPr>
+              <a:t>2</a:t>
+            </a:r>
+            <a:r>
+              <a:rPr lang="ko-KR" altLang="en-US" sz="2400" b="0" i="0" dirty="0">
+                <a:solidFill>
+                  <a:srgbClr val="24292E"/>
+                </a:solidFill>
+                <a:effectLst/>
+                <a:latin typeface="-apple-system"/>
+              </a:rPr>
+              <a:t>차원 </a:t>
+            </a:r>
+            <a:r>
+              <a:rPr lang="en-US" altLang="ko-KR" sz="2400" b="0" i="0" dirty="0">
+                <a:solidFill>
+                  <a:srgbClr val="24292E"/>
+                </a:solidFill>
+                <a:effectLst/>
+                <a:latin typeface="-apple-system"/>
+              </a:rPr>
+              <a:t>input feature</a:t>
+            </a:r>
+            <a:r>
+              <a:rPr lang="ko-KR" altLang="en-US" sz="2400" b="0" i="0" dirty="0">
+                <a:solidFill>
+                  <a:srgbClr val="24292E"/>
+                </a:solidFill>
+                <a:effectLst/>
+                <a:latin typeface="-apple-system"/>
+              </a:rPr>
+              <a:t>에서 </a:t>
+            </a:r>
+            <a:r>
+              <a:rPr lang="en-US" altLang="ko-KR" sz="2400" b="0" i="0" dirty="0">
+                <a:solidFill>
+                  <a:srgbClr val="24292E"/>
+                </a:solidFill>
+                <a:effectLst/>
+                <a:latin typeface="-apple-system"/>
+              </a:rPr>
+              <a:t>1</a:t>
+            </a:r>
+            <a:r>
+              <a:rPr lang="ko-KR" altLang="en-US" sz="2400" b="0" i="0" dirty="0">
+                <a:solidFill>
+                  <a:srgbClr val="24292E"/>
+                </a:solidFill>
+                <a:effectLst/>
+                <a:latin typeface="-apple-system"/>
+              </a:rPr>
+              <a:t>차원 </a:t>
+            </a:r>
+            <a:r>
+              <a:rPr lang="en-US" altLang="ko-KR" sz="2400" b="0" i="0" dirty="0">
+                <a:solidFill>
+                  <a:srgbClr val="24292E"/>
+                </a:solidFill>
+                <a:effectLst/>
+                <a:latin typeface="-apple-system"/>
+              </a:rPr>
+              <a:t>output</a:t>
+            </a:r>
+            <a:r>
+              <a:rPr lang="ko-KR" altLang="en-US" sz="2400" b="0" i="0" dirty="0">
+                <a:solidFill>
+                  <a:srgbClr val="24292E"/>
+                </a:solidFill>
+                <a:effectLst/>
+                <a:latin typeface="-apple-system"/>
+              </a:rPr>
+              <a:t>을 </a:t>
+            </a:r>
+            <a:r>
+              <a:rPr lang="ko-KR" altLang="en-US" sz="2400" b="0" i="0" dirty="0" err="1">
+                <a:solidFill>
+                  <a:srgbClr val="24292E"/>
+                </a:solidFill>
+                <a:effectLst/>
+                <a:latin typeface="-apple-system"/>
+              </a:rPr>
+              <a:t>낼때</a:t>
+            </a:r>
+            <a:r>
+              <a:rPr lang="en-US" altLang="ko-KR" sz="2400" b="0" i="0" dirty="0">
+                <a:solidFill>
+                  <a:srgbClr val="24292E"/>
+                </a:solidFill>
+                <a:effectLst/>
+                <a:latin typeface="-apple-system"/>
+              </a:rPr>
+              <a:t>, 3</a:t>
+            </a:r>
+            <a:r>
+              <a:rPr lang="ko-KR" altLang="en-US" sz="2400" b="0" i="0" dirty="0">
+                <a:solidFill>
+                  <a:srgbClr val="24292E"/>
+                </a:solidFill>
+                <a:effectLst/>
+                <a:latin typeface="-apple-system"/>
+              </a:rPr>
+              <a:t>개의 </a:t>
+            </a:r>
+            <a:r>
+              <a:rPr lang="en-US" altLang="ko-KR" sz="2400" b="0" i="0" dirty="0">
+                <a:solidFill>
+                  <a:srgbClr val="24292E"/>
+                </a:solidFill>
+                <a:effectLst/>
+                <a:latin typeface="-apple-system"/>
+              </a:rPr>
+              <a:t>affine transform </a:t>
+            </a:r>
+            <a:r>
+              <a:rPr lang="ko-KR" altLang="en-US" sz="2400" b="0" i="0" dirty="0">
+                <a:solidFill>
+                  <a:srgbClr val="24292E"/>
+                </a:solidFill>
+                <a:effectLst/>
+                <a:latin typeface="-apple-system"/>
+              </a:rPr>
+              <a:t>중 가장 큰 값을 하나 뽑아</a:t>
+            </a:r>
+            <a:r>
+              <a:rPr lang="ko-KR" altLang="en-US" sz="2400" dirty="0">
+                <a:solidFill>
+                  <a:srgbClr val="24292E"/>
+                </a:solidFill>
+                <a:latin typeface="-apple-system"/>
+              </a:rPr>
+              <a:t>낸다</a:t>
+            </a:r>
+            <a:r>
+              <a:rPr lang="en-US" altLang="ko-KR" sz="2400" dirty="0">
+                <a:solidFill>
+                  <a:srgbClr val="24292E"/>
+                </a:solidFill>
+                <a:latin typeface="-apple-system"/>
+              </a:rPr>
+              <a:t>.</a:t>
+            </a:r>
+            <a:endParaRPr lang="en-US" altLang="ko-KR" dirty="0"/>
           </a:p>
         </p:txBody>
       </p:sp>
     </p:spTree>
     <p:extLst>
       <p:ext uri="{BB962C8B-B14F-4D97-AF65-F5344CB8AC3E}">
-        <p14:creationId xmlns:p14="http://schemas.microsoft.com/office/powerpoint/2010/main" val="2824828663"/>
+        <p14:creationId xmlns:p14="http://schemas.microsoft.com/office/powerpoint/2010/main" val="836454306"/>
       </p:ext>
     </p:extLst>
   </p:cSld>
@@ -7788,42 +9609,12 @@
           <a:chExt cx="0" cy="0"/>
         </a:xfrm>
       </p:grpSpPr>
-      <p:pic>
-        <p:nvPicPr>
-          <p:cNvPr id="16" name="그림 15">
-            <a:extLst>
-              <a:ext uri="{FF2B5EF4-FFF2-40B4-BE49-F238E27FC236}">
-                <a16:creationId xmlns:a16="http://schemas.microsoft.com/office/drawing/2014/main" id="{E3AB9EE8-34BF-4FDD-8EE7-3D7B86C2BF03}"/>
-              </a:ext>
-            </a:extLst>
-          </p:cNvPr>
-          <p:cNvPicPr>
-            <a:picLocks noChangeAspect="1"/>
-          </p:cNvPicPr>
-          <p:nvPr/>
-        </p:nvPicPr>
-        <p:blipFill>
-          <a:blip r:embed="rId2"/>
-          <a:stretch>
-            <a:fillRect/>
-          </a:stretch>
-        </p:blipFill>
-        <p:spPr>
-          <a:xfrm rot="18267243">
-            <a:off x="5512901" y="5358736"/>
-            <a:ext cx="587843" cy="556551"/>
-          </a:xfrm>
-          <a:prstGeom prst="rect">
-            <a:avLst/>
-          </a:prstGeom>
-        </p:spPr>
-      </p:pic>
       <p:sp>
         <p:nvSpPr>
           <p:cNvPr id="10" name="TextBox 9">
             <a:extLst>
               <a:ext uri="{FF2B5EF4-FFF2-40B4-BE49-F238E27FC236}">
-                <a16:creationId xmlns:a16="http://schemas.microsoft.com/office/drawing/2014/main" id="{2C7502AB-BC1A-49FD-A557-4CF5CBB71CED}"/>
+                <a16:creationId xmlns:a16="http://schemas.microsoft.com/office/drawing/2014/main" id="{7653C085-42B5-4047-8EAD-EF04F940EECA}"/>
               </a:ext>
             </a:extLst>
           </p:cNvPr>
@@ -7832,8 +9623,8 @@
         </p:nvSpPr>
         <p:spPr>
           <a:xfrm>
-            <a:off x="5120987" y="718364"/>
-            <a:ext cx="1878101" cy="584775"/>
+            <a:off x="4533731" y="728033"/>
+            <a:ext cx="1992419" cy="584775"/>
           </a:xfrm>
           <a:prstGeom prst="rect">
             <a:avLst/>
@@ -7847,25 +9638,200 @@
           <a:lstStyle/>
           <a:p>
             <a:r>
-              <a:rPr lang="en-US" altLang="ko-KR" sz="3200" b="1" i="0" dirty="0">
+              <a:rPr lang="en-US" altLang="ko-KR" sz="3200" b="1" dirty="0" err="1">
                 <a:solidFill>
                   <a:srgbClr val="555555"/>
                 </a:solidFill>
-                <a:effectLst/>
                 <a:latin typeface="Lato"/>
               </a:rPr>
-              <a:t>Neural</a:t>
+              <a:t>Maxout</a:t>
             </a:r>
             <a:endParaRPr lang="en-US" altLang="ko-KR" sz="3200" b="1" dirty="0"/>
+          </a:p>
+        </p:txBody>
+      </p:sp>
+      <p:sp>
+        <p:nvSpPr>
+          <p:cNvPr id="6" name="TextBox 5">
+            <a:extLst>
+              <a:ext uri="{FF2B5EF4-FFF2-40B4-BE49-F238E27FC236}">
+                <a16:creationId xmlns:a16="http://schemas.microsoft.com/office/drawing/2014/main" id="{FAEC736F-7E10-46C6-B1FB-F3124A9482FF}"/>
+              </a:ext>
+            </a:extLst>
+          </p:cNvPr>
+          <p:cNvSpPr txBox="1"/>
+          <p:nvPr/>
+        </p:nvSpPr>
+        <p:spPr>
+          <a:xfrm>
+            <a:off x="1068568" y="5232202"/>
+            <a:ext cx="10554289" cy="830997"/>
+          </a:xfrm>
+          <a:prstGeom prst="rect">
+            <a:avLst/>
+          </a:prstGeom>
+          <a:noFill/>
+        </p:spPr>
+        <p:txBody>
+          <a:bodyPr wrap="square" rtlCol="0">
+            <a:spAutoFit/>
+          </a:bodyPr>
+          <a:lstStyle/>
+          <a:p>
+            <a:pPr marL="342900" indent="-342900">
+              <a:buFontTx/>
+              <a:buChar char="-"/>
+            </a:pPr>
+            <a:r>
+              <a:rPr lang="en-US" altLang="ko-KR" sz="2400" b="0" i="0" dirty="0" err="1">
+                <a:solidFill>
+                  <a:srgbClr val="24292E"/>
+                </a:solidFill>
+                <a:effectLst/>
+                <a:latin typeface="-apple-system"/>
+              </a:rPr>
+              <a:t>Maxout</a:t>
+            </a:r>
+            <a:r>
+              <a:rPr lang="ko-KR" altLang="en-US" sz="2400" b="0" i="0" dirty="0">
+                <a:solidFill>
+                  <a:srgbClr val="24292E"/>
+                </a:solidFill>
+                <a:effectLst/>
+                <a:latin typeface="-apple-system"/>
+              </a:rPr>
+              <a:t>은 성능이 좋지만</a:t>
+            </a:r>
+            <a:r>
+              <a:rPr lang="en-US" altLang="ko-KR" sz="2400" b="0" i="0" dirty="0">
+                <a:solidFill>
+                  <a:srgbClr val="24292E"/>
+                </a:solidFill>
+                <a:effectLst/>
+                <a:latin typeface="-apple-system"/>
+              </a:rPr>
+              <a:t>, </a:t>
+            </a:r>
+            <a:r>
+              <a:rPr lang="ko-KR" altLang="en-US" sz="2400" b="0" i="0" dirty="0">
+                <a:solidFill>
+                  <a:srgbClr val="24292E"/>
+                </a:solidFill>
+                <a:effectLst/>
+                <a:latin typeface="-apple-system"/>
+              </a:rPr>
+              <a:t>다만 트레이닝 셋이 크지 않거나 </a:t>
+            </a:r>
+            <a:r>
+              <a:rPr lang="en-US" altLang="ko-KR" sz="2400" b="0" i="0" dirty="0">
+                <a:solidFill>
+                  <a:srgbClr val="24292E"/>
+                </a:solidFill>
+                <a:effectLst/>
+                <a:latin typeface="-apple-system"/>
+              </a:rPr>
+              <a:t>unit</a:t>
+            </a:r>
+            <a:r>
+              <a:rPr lang="ko-KR" altLang="en-US" sz="2400" b="0" i="0" dirty="0">
+                <a:solidFill>
+                  <a:srgbClr val="24292E"/>
+                </a:solidFill>
+                <a:effectLst/>
+                <a:latin typeface="-apple-system"/>
+              </a:rPr>
+              <a:t>당 </a:t>
+            </a:r>
+            <a:r>
+              <a:rPr lang="en-US" altLang="ko-KR" sz="2400" b="0" i="0" dirty="0">
+                <a:solidFill>
+                  <a:srgbClr val="24292E"/>
+                </a:solidFill>
+                <a:effectLst/>
+                <a:latin typeface="-apple-system"/>
+              </a:rPr>
+              <a:t>pieces </a:t>
+            </a:r>
+            <a:r>
+              <a:rPr lang="ko-KR" altLang="en-US" sz="2400" b="0" i="0" dirty="0">
+                <a:solidFill>
+                  <a:srgbClr val="24292E"/>
+                </a:solidFill>
+                <a:effectLst/>
+                <a:latin typeface="-apple-system"/>
+              </a:rPr>
+              <a:t>수가 많은 경우에는 </a:t>
+            </a:r>
+            <a:r>
+              <a:rPr lang="en-US" altLang="ko-KR" sz="2400" b="0" i="0" dirty="0" err="1">
+                <a:solidFill>
+                  <a:srgbClr val="24292E"/>
+                </a:solidFill>
+                <a:effectLst/>
+                <a:latin typeface="-apple-system"/>
+              </a:rPr>
+              <a:t>ReLU</a:t>
+            </a:r>
+            <a:r>
+              <a:rPr lang="en-US" altLang="ko-KR" sz="2400" b="0" i="0" dirty="0">
+                <a:solidFill>
+                  <a:srgbClr val="24292E"/>
+                </a:solidFill>
+                <a:effectLst/>
+                <a:latin typeface="-apple-system"/>
+              </a:rPr>
+              <a:t> </a:t>
+            </a:r>
+            <a:r>
+              <a:rPr lang="ko-KR" altLang="en-US" sz="2400" b="0" i="0" dirty="0">
+                <a:solidFill>
+                  <a:srgbClr val="24292E"/>
+                </a:solidFill>
+                <a:effectLst/>
+                <a:latin typeface="-apple-system"/>
+              </a:rPr>
+              <a:t>보다 </a:t>
+            </a:r>
+            <a:r>
+              <a:rPr lang="en-US" altLang="ko-KR" sz="2400" b="0" i="0" dirty="0">
+                <a:solidFill>
+                  <a:srgbClr val="24292E"/>
+                </a:solidFill>
+                <a:effectLst/>
+                <a:latin typeface="-apple-system"/>
+              </a:rPr>
+              <a:t>regularization</a:t>
+            </a:r>
+            <a:r>
+              <a:rPr lang="ko-KR" altLang="en-US" sz="2400" b="0" i="0" dirty="0">
+                <a:solidFill>
+                  <a:srgbClr val="24292E"/>
+                </a:solidFill>
+                <a:effectLst/>
+                <a:latin typeface="-apple-system"/>
+              </a:rPr>
+              <a:t>이 필요하다</a:t>
+            </a:r>
+            <a:r>
+              <a:rPr lang="en-US" altLang="ko-KR" sz="2400" b="0" i="0" dirty="0">
+                <a:solidFill>
+                  <a:srgbClr val="24292E"/>
+                </a:solidFill>
+                <a:effectLst/>
+                <a:latin typeface="-apple-system"/>
+              </a:rPr>
+              <a:t>.</a:t>
+            </a:r>
+            <a:endParaRPr lang="en-US" altLang="ko-KR" dirty="0"/>
           </a:p>
         </p:txBody>
       </p:sp>
       <p:pic>
         <p:nvPicPr>
-          <p:cNvPr id="3" name="Picture 2" descr="피드포워드 신경망 언어 모델">
+          <p:cNvPr id="6148" name="Picture 4" descr="f(x) = x^2">
             <a:extLst>
               <a:ext uri="{FF2B5EF4-FFF2-40B4-BE49-F238E27FC236}">
-                <a16:creationId xmlns:a16="http://schemas.microsoft.com/office/drawing/2014/main" id="{6603A5DC-4341-4F6F-A95A-B988D63875FC}"/>
+                <a16:creationId xmlns:a16="http://schemas.microsoft.com/office/drawing/2014/main" id="{BDE83D43-674A-4352-BE10-DA6B10E6956B}"/>
               </a:ext>
             </a:extLst>
           </p:cNvPr>
@@ -7875,7 +9841,7 @@
           <p:nvPr/>
         </p:nvPicPr>
         <p:blipFill>
-          <a:blip r:embed="rId3">
+          <a:blip r:embed="rId2">
             <a:extLst>
               <a:ext uri="{28A0092B-C50C-407E-A947-70E740481C1C}">
                 <a14:useLocalDpi xmlns:a14="http://schemas.microsoft.com/office/drawing/2010/main" val="0"/>
@@ -7889,8 +9855,8 @@
         </p:blipFill>
         <p:spPr bwMode="auto">
           <a:xfrm>
-            <a:off x="2449174" y="1595527"/>
-            <a:ext cx="7221725" cy="3097249"/>
+            <a:off x="3224890" y="1777080"/>
+            <a:ext cx="4610100" cy="2990850"/>
           </a:xfrm>
           <a:prstGeom prst="rect">
             <a:avLst/>
@@ -7907,110 +9873,10 @@
           </a:extLst>
         </p:spPr>
       </p:pic>
-      <p:sp>
-        <p:nvSpPr>
-          <p:cNvPr id="13" name="TextBox 12">
-            <a:extLst>
-              <a:ext uri="{FF2B5EF4-FFF2-40B4-BE49-F238E27FC236}">
-                <a16:creationId xmlns:a16="http://schemas.microsoft.com/office/drawing/2014/main" id="{CC9D62F6-E46C-4D71-8F6B-C7053C5938CE}"/>
-              </a:ext>
-            </a:extLst>
-          </p:cNvPr>
-          <p:cNvSpPr txBox="1"/>
-          <p:nvPr/>
-        </p:nvSpPr>
-        <p:spPr>
-          <a:xfrm>
-            <a:off x="2810545" y="4775551"/>
-            <a:ext cx="8170608" cy="461665"/>
-          </a:xfrm>
-          <a:prstGeom prst="rect">
-            <a:avLst/>
-          </a:prstGeom>
-          <a:noFill/>
-        </p:spPr>
-        <p:txBody>
-          <a:bodyPr wrap="square" rtlCol="0">
-            <a:spAutoFit/>
-          </a:bodyPr>
-          <a:lstStyle/>
-          <a:p>
-            <a:r>
-              <a:rPr lang="en-US" altLang="ko-KR" sz="2400" b="1" dirty="0">
-                <a:solidFill>
-                  <a:srgbClr val="555555"/>
-                </a:solidFill>
-                <a:latin typeface="Lato"/>
-              </a:rPr>
-              <a:t>Feedforward</a:t>
-            </a:r>
-            <a:r>
-              <a:rPr lang="ko-KR" altLang="en-US" sz="2400" b="1" dirty="0">
-                <a:solidFill>
-                  <a:srgbClr val="555555"/>
-                </a:solidFill>
-                <a:latin typeface="Lato"/>
-              </a:rPr>
-              <a:t>의 네트워크를 이해하는 것</a:t>
-            </a:r>
-            <a:endParaRPr lang="en-US" altLang="ko-KR" sz="2400" b="1" dirty="0"/>
-          </a:p>
-        </p:txBody>
-      </p:sp>
-      <p:sp>
-        <p:nvSpPr>
-          <p:cNvPr id="18" name="TextBox 17">
-            <a:extLst>
-              <a:ext uri="{FF2B5EF4-FFF2-40B4-BE49-F238E27FC236}">
-                <a16:creationId xmlns:a16="http://schemas.microsoft.com/office/drawing/2014/main" id="{3AFC470C-6D60-4D6C-B132-85617ECE3708}"/>
-              </a:ext>
-            </a:extLst>
-          </p:cNvPr>
-          <p:cNvSpPr txBox="1"/>
-          <p:nvPr/>
-        </p:nvSpPr>
-        <p:spPr>
-          <a:xfrm>
-            <a:off x="1942745" y="6100108"/>
-            <a:ext cx="7728154" cy="461665"/>
-          </a:xfrm>
-          <a:prstGeom prst="rect">
-            <a:avLst/>
-          </a:prstGeom>
-          <a:noFill/>
-        </p:spPr>
-        <p:txBody>
-          <a:bodyPr wrap="square" rtlCol="0">
-            <a:spAutoFit/>
-          </a:bodyPr>
-          <a:lstStyle/>
-          <a:p>
-            <a:r>
-              <a:rPr lang="en-US" altLang="ko-KR" sz="2400" b="1" dirty="0">
-                <a:solidFill>
-                  <a:srgbClr val="555555"/>
-                </a:solidFill>
-                <a:latin typeface="Lato"/>
-              </a:rPr>
-              <a:t>Linear model</a:t>
-            </a:r>
-            <a:r>
-              <a:rPr lang="ko-KR" altLang="en-US" sz="2400" b="1" dirty="0">
-                <a:solidFill>
-                  <a:srgbClr val="555555"/>
-                </a:solidFill>
-                <a:latin typeface="Lato"/>
-              </a:rPr>
-              <a:t>의 한계를 어떻게 극복했는지 알아보는 것</a:t>
-            </a:r>
-            <a:endParaRPr lang="en-US" altLang="ko-KR" sz="2400" b="1" dirty="0"/>
-          </a:p>
-        </p:txBody>
-      </p:sp>
     </p:spTree>
     <p:extLst>
       <p:ext uri="{BB962C8B-B14F-4D97-AF65-F5344CB8AC3E}">
-        <p14:creationId xmlns:p14="http://schemas.microsoft.com/office/powerpoint/2010/main" val="2132722403"/>
+        <p14:creationId xmlns:p14="http://schemas.microsoft.com/office/powerpoint/2010/main" val="954196197"/>
       </p:ext>
     </p:extLst>
   </p:cSld>
